--- a/parallel_computing/Tutorial/Tutorial-1.pptx
+++ b/parallel_computing/Tutorial/Tutorial-1.pptx
@@ -239,7 +239,7 @@
             <a:fld id="{1F8E0AA0-61C8-4450-907B-4A47552B3443}" type="datetimeFigureOut">
               <a:rPr lang="en-CA" smtClean="0"/>
               <a:pPr/>
-              <a:t>2018-09-11</a:t>
+              <a:t>2018-09-13</a:t>
             </a:fld>
             <a:endParaRPr lang="en-CA"/>
           </a:p>
@@ -584,14 +584,14 @@
           <a:effectLst/>
           <a:extLst>
             <a:ext uri="{909E8E84-426E-40dd-AFC4-6F175D3DCCD1}">
-              <a14:hiddenFill xmlns="" xmlns:a14="http://schemas.microsoft.com/office/drawing/2010/main">
+              <a14:hiddenFill xmlns:a14="http://schemas.microsoft.com/office/drawing/2010/main" xmlns="">
                 <a:solidFill>
                   <a:srgbClr val="FFFFFF"/>
                 </a:solidFill>
               </a14:hiddenFill>
             </a:ext>
             <a:ext uri="{91240B29-F687-4f45-9708-019B960494DF}">
-              <a14:hiddenLine xmlns="" xmlns:a14="http://schemas.microsoft.com/office/drawing/2010/main" w="9525" cap="flat">
+              <a14:hiddenLine xmlns:a14="http://schemas.microsoft.com/office/drawing/2010/main" xmlns="" w="9525" cap="flat">
                 <a:solidFill>
                   <a:srgbClr val="3465A4"/>
                 </a:solidFill>
@@ -601,7 +601,7 @@
               </a14:hiddenLine>
             </a:ext>
             <a:ext uri="{AF507438-7753-43e0-B8FC-AC1667EBCBE1}">
-              <a14:hiddenEffects xmlns="" xmlns:a14="http://schemas.microsoft.com/office/drawing/2010/main">
+              <a14:hiddenEffects xmlns:a14="http://schemas.microsoft.com/office/drawing/2010/main" xmlns="">
                 <a:effectLst>
                   <a:outerShdw dist="35921" dir="2700000" algn="ctr" rotWithShape="0">
                     <a:srgbClr val="808080"/>
@@ -1022,7 +1022,7 @@
           </a:ln>
           <a:extLst>
             <a:ext uri="{AF507438-7753-43e0-B8FC-AC1667EBCBE1}">
-              <a14:hiddenEffects xmlns="" xmlns:a14="http://schemas.microsoft.com/office/drawing/2010/main">
+              <a14:hiddenEffects xmlns:a14="http://schemas.microsoft.com/office/drawing/2010/main" xmlns="">
                 <a:effectLst>
                   <a:outerShdw dist="35921" dir="2700000" algn="ctr" rotWithShape="0">
                     <a:srgbClr val="808080"/>
@@ -1056,14 +1056,14 @@
           <a:effectLst/>
           <a:extLst>
             <a:ext uri="{909E8E84-426E-40dd-AFC4-6F175D3DCCD1}">
-              <a14:hiddenFill xmlns="" xmlns:a14="http://schemas.microsoft.com/office/drawing/2010/main">
+              <a14:hiddenFill xmlns:a14="http://schemas.microsoft.com/office/drawing/2010/main" xmlns="">
                 <a:solidFill>
                   <a:srgbClr val="FFFFFF"/>
                 </a:solidFill>
               </a14:hiddenFill>
             </a:ext>
             <a:ext uri="{91240B29-F687-4f45-9708-019B960494DF}">
-              <a14:hiddenLine xmlns="" xmlns:a14="http://schemas.microsoft.com/office/drawing/2010/main" w="9525" cap="flat">
+              <a14:hiddenLine xmlns:a14="http://schemas.microsoft.com/office/drawing/2010/main" xmlns="" w="9525" cap="flat">
                 <a:solidFill>
                   <a:srgbClr val="3465A4"/>
                 </a:solidFill>
@@ -1073,7 +1073,7 @@
               </a14:hiddenLine>
             </a:ext>
             <a:ext uri="{AF507438-7753-43e0-B8FC-AC1667EBCBE1}">
-              <a14:hiddenEffects xmlns="" xmlns:a14="http://schemas.microsoft.com/office/drawing/2010/main">
+              <a14:hiddenEffects xmlns:a14="http://schemas.microsoft.com/office/drawing/2010/main" xmlns="">
                 <a:effectLst>
                   <a:outerShdw dist="35921" dir="2700000" algn="ctr" rotWithShape="0">
                     <a:srgbClr val="808080"/>
@@ -1178,14 +1178,14 @@
           <a:effectLst/>
           <a:extLst>
             <a:ext uri="{909E8E84-426E-40dd-AFC4-6F175D3DCCD1}">
-              <a14:hiddenFill xmlns="" xmlns:a14="http://schemas.microsoft.com/office/drawing/2010/main">
+              <a14:hiddenFill xmlns:a14="http://schemas.microsoft.com/office/drawing/2010/main" xmlns="">
                 <a:solidFill>
                   <a:srgbClr val="FFFFFF"/>
                 </a:solidFill>
               </a14:hiddenFill>
             </a:ext>
             <a:ext uri="{91240B29-F687-4f45-9708-019B960494DF}">
-              <a14:hiddenLine xmlns="" xmlns:a14="http://schemas.microsoft.com/office/drawing/2010/main" w="9525" cap="flat">
+              <a14:hiddenLine xmlns:a14="http://schemas.microsoft.com/office/drawing/2010/main" xmlns="" w="9525" cap="flat">
                 <a:solidFill>
                   <a:srgbClr val="3465A4"/>
                 </a:solidFill>
@@ -1195,7 +1195,7 @@
               </a14:hiddenLine>
             </a:ext>
             <a:ext uri="{AF507438-7753-43e0-B8FC-AC1667EBCBE1}">
-              <a14:hiddenEffects xmlns="" xmlns:a14="http://schemas.microsoft.com/office/drawing/2010/main">
+              <a14:hiddenEffects xmlns:a14="http://schemas.microsoft.com/office/drawing/2010/main" xmlns="">
                 <a:effectLst>
                   <a:outerShdw dist="35921" dir="2700000" algn="ctr" rotWithShape="0">
                     <a:srgbClr val="808080"/>
@@ -1616,7 +1616,7 @@
           </a:ln>
           <a:extLst>
             <a:ext uri="{AF507438-7753-43e0-B8FC-AC1667EBCBE1}">
-              <a14:hiddenEffects xmlns="" xmlns:a14="http://schemas.microsoft.com/office/drawing/2010/main">
+              <a14:hiddenEffects xmlns:a14="http://schemas.microsoft.com/office/drawing/2010/main" xmlns="">
                 <a:effectLst>
                   <a:outerShdw dist="35921" dir="2700000" algn="ctr" rotWithShape="0">
                     <a:srgbClr val="808080"/>
@@ -1650,14 +1650,14 @@
           <a:effectLst/>
           <a:extLst>
             <a:ext uri="{909E8E84-426E-40dd-AFC4-6F175D3DCCD1}">
-              <a14:hiddenFill xmlns="" xmlns:a14="http://schemas.microsoft.com/office/drawing/2010/main">
+              <a14:hiddenFill xmlns:a14="http://schemas.microsoft.com/office/drawing/2010/main" xmlns="">
                 <a:solidFill>
                   <a:srgbClr val="FFFFFF"/>
                 </a:solidFill>
               </a14:hiddenFill>
             </a:ext>
             <a:ext uri="{91240B29-F687-4f45-9708-019B960494DF}">
-              <a14:hiddenLine xmlns="" xmlns:a14="http://schemas.microsoft.com/office/drawing/2010/main" w="9525" cap="flat">
+              <a14:hiddenLine xmlns:a14="http://schemas.microsoft.com/office/drawing/2010/main" xmlns="" w="9525" cap="flat">
                 <a:solidFill>
                   <a:srgbClr val="3465A4"/>
                 </a:solidFill>
@@ -1667,7 +1667,7 @@
               </a14:hiddenLine>
             </a:ext>
             <a:ext uri="{AF507438-7753-43e0-B8FC-AC1667EBCBE1}">
-              <a14:hiddenEffects xmlns="" xmlns:a14="http://schemas.microsoft.com/office/drawing/2010/main">
+              <a14:hiddenEffects xmlns:a14="http://schemas.microsoft.com/office/drawing/2010/main" xmlns="">
                 <a:effectLst>
                   <a:outerShdw dist="35921" dir="2700000" algn="ctr" rotWithShape="0">
                     <a:srgbClr val="808080"/>
@@ -1772,14 +1772,14 @@
           <a:effectLst/>
           <a:extLst>
             <a:ext uri="{909E8E84-426E-40dd-AFC4-6F175D3DCCD1}">
-              <a14:hiddenFill xmlns="" xmlns:a14="http://schemas.microsoft.com/office/drawing/2010/main">
+              <a14:hiddenFill xmlns:a14="http://schemas.microsoft.com/office/drawing/2010/main" xmlns="">
                 <a:solidFill>
                   <a:srgbClr val="FFFFFF"/>
                 </a:solidFill>
               </a14:hiddenFill>
             </a:ext>
             <a:ext uri="{91240B29-F687-4f45-9708-019B960494DF}">
-              <a14:hiddenLine xmlns="" xmlns:a14="http://schemas.microsoft.com/office/drawing/2010/main" w="9525" cap="flat">
+              <a14:hiddenLine xmlns:a14="http://schemas.microsoft.com/office/drawing/2010/main" xmlns="" w="9525" cap="flat">
                 <a:solidFill>
                   <a:srgbClr val="3465A4"/>
                 </a:solidFill>
@@ -1789,7 +1789,7 @@
               </a14:hiddenLine>
             </a:ext>
             <a:ext uri="{AF507438-7753-43e0-B8FC-AC1667EBCBE1}">
-              <a14:hiddenEffects xmlns="" xmlns:a14="http://schemas.microsoft.com/office/drawing/2010/main">
+              <a14:hiddenEffects xmlns:a14="http://schemas.microsoft.com/office/drawing/2010/main" xmlns="">
                 <a:effectLst>
                   <a:outerShdw dist="35921" dir="2700000" algn="ctr" rotWithShape="0">
                     <a:srgbClr val="808080"/>
@@ -2210,7 +2210,7 @@
           </a:ln>
           <a:extLst>
             <a:ext uri="{AF507438-7753-43e0-B8FC-AC1667EBCBE1}">
-              <a14:hiddenEffects xmlns="" xmlns:a14="http://schemas.microsoft.com/office/drawing/2010/main">
+              <a14:hiddenEffects xmlns:a14="http://schemas.microsoft.com/office/drawing/2010/main" xmlns="">
                 <a:effectLst>
                   <a:outerShdw dist="35921" dir="2700000" algn="ctr" rotWithShape="0">
                     <a:srgbClr val="808080"/>
@@ -2244,14 +2244,14 @@
           <a:effectLst/>
           <a:extLst>
             <a:ext uri="{909E8E84-426E-40dd-AFC4-6F175D3DCCD1}">
-              <a14:hiddenFill xmlns="" xmlns:a14="http://schemas.microsoft.com/office/drawing/2010/main">
+              <a14:hiddenFill xmlns:a14="http://schemas.microsoft.com/office/drawing/2010/main" xmlns="">
                 <a:solidFill>
                   <a:srgbClr val="FFFFFF"/>
                 </a:solidFill>
               </a14:hiddenFill>
             </a:ext>
             <a:ext uri="{91240B29-F687-4f45-9708-019B960494DF}">
-              <a14:hiddenLine xmlns="" xmlns:a14="http://schemas.microsoft.com/office/drawing/2010/main" w="9525" cap="flat">
+              <a14:hiddenLine xmlns:a14="http://schemas.microsoft.com/office/drawing/2010/main" xmlns="" w="9525" cap="flat">
                 <a:solidFill>
                   <a:srgbClr val="3465A4"/>
                 </a:solidFill>
@@ -2261,7 +2261,7 @@
               </a14:hiddenLine>
             </a:ext>
             <a:ext uri="{AF507438-7753-43e0-B8FC-AC1667EBCBE1}">
-              <a14:hiddenEffects xmlns="" xmlns:a14="http://schemas.microsoft.com/office/drawing/2010/main">
+              <a14:hiddenEffects xmlns:a14="http://schemas.microsoft.com/office/drawing/2010/main" xmlns="">
                 <a:effectLst>
                   <a:outerShdw dist="35921" dir="2700000" algn="ctr" rotWithShape="0">
                     <a:srgbClr val="808080"/>
@@ -2366,14 +2366,14 @@
           <a:effectLst/>
           <a:extLst>
             <a:ext uri="{909E8E84-426E-40dd-AFC4-6F175D3DCCD1}">
-              <a14:hiddenFill xmlns="" xmlns:a14="http://schemas.microsoft.com/office/drawing/2010/main">
+              <a14:hiddenFill xmlns:a14="http://schemas.microsoft.com/office/drawing/2010/main" xmlns="">
                 <a:solidFill>
                   <a:srgbClr val="FFFFFF"/>
                 </a:solidFill>
               </a14:hiddenFill>
             </a:ext>
             <a:ext uri="{91240B29-F687-4f45-9708-019B960494DF}">
-              <a14:hiddenLine xmlns="" xmlns:a14="http://schemas.microsoft.com/office/drawing/2010/main" w="9525" cap="flat">
+              <a14:hiddenLine xmlns:a14="http://schemas.microsoft.com/office/drawing/2010/main" xmlns="" w="9525" cap="flat">
                 <a:solidFill>
                   <a:srgbClr val="3465A4"/>
                 </a:solidFill>
@@ -2383,7 +2383,7 @@
               </a14:hiddenLine>
             </a:ext>
             <a:ext uri="{AF507438-7753-43e0-B8FC-AC1667EBCBE1}">
-              <a14:hiddenEffects xmlns="" xmlns:a14="http://schemas.microsoft.com/office/drawing/2010/main">
+              <a14:hiddenEffects xmlns:a14="http://schemas.microsoft.com/office/drawing/2010/main" xmlns="">
                 <a:effectLst>
                   <a:outerShdw dist="35921" dir="2700000" algn="ctr" rotWithShape="0">
                     <a:srgbClr val="808080"/>
@@ -2804,7 +2804,7 @@
           </a:ln>
           <a:extLst>
             <a:ext uri="{AF507438-7753-43e0-B8FC-AC1667EBCBE1}">
-              <a14:hiddenEffects xmlns="" xmlns:a14="http://schemas.microsoft.com/office/drawing/2010/main">
+              <a14:hiddenEffects xmlns:a14="http://schemas.microsoft.com/office/drawing/2010/main" xmlns="">
                 <a:effectLst>
                   <a:outerShdw dist="35921" dir="2700000" algn="ctr" rotWithShape="0">
                     <a:srgbClr val="808080"/>
@@ -2838,14 +2838,14 @@
           <a:effectLst/>
           <a:extLst>
             <a:ext uri="{909E8E84-426E-40dd-AFC4-6F175D3DCCD1}">
-              <a14:hiddenFill xmlns="" xmlns:a14="http://schemas.microsoft.com/office/drawing/2010/main">
+              <a14:hiddenFill xmlns:a14="http://schemas.microsoft.com/office/drawing/2010/main" xmlns="">
                 <a:solidFill>
                   <a:srgbClr val="FFFFFF"/>
                 </a:solidFill>
               </a14:hiddenFill>
             </a:ext>
             <a:ext uri="{91240B29-F687-4f45-9708-019B960494DF}">
-              <a14:hiddenLine xmlns="" xmlns:a14="http://schemas.microsoft.com/office/drawing/2010/main" w="9525" cap="flat">
+              <a14:hiddenLine xmlns:a14="http://schemas.microsoft.com/office/drawing/2010/main" xmlns="" w="9525" cap="flat">
                 <a:solidFill>
                   <a:srgbClr val="3465A4"/>
                 </a:solidFill>
@@ -2855,7 +2855,7 @@
               </a14:hiddenLine>
             </a:ext>
             <a:ext uri="{AF507438-7753-43e0-B8FC-AC1667EBCBE1}">
-              <a14:hiddenEffects xmlns="" xmlns:a14="http://schemas.microsoft.com/office/drawing/2010/main">
+              <a14:hiddenEffects xmlns:a14="http://schemas.microsoft.com/office/drawing/2010/main" xmlns="">
                 <a:effectLst>
                   <a:outerShdw dist="35921" dir="2700000" algn="ctr" rotWithShape="0">
                     <a:srgbClr val="808080"/>
@@ -2960,14 +2960,14 @@
           <a:effectLst/>
           <a:extLst>
             <a:ext uri="{909E8E84-426E-40dd-AFC4-6F175D3DCCD1}">
-              <a14:hiddenFill xmlns="" xmlns:a14="http://schemas.microsoft.com/office/drawing/2010/main">
+              <a14:hiddenFill xmlns:a14="http://schemas.microsoft.com/office/drawing/2010/main" xmlns="">
                 <a:solidFill>
                   <a:srgbClr val="FFFFFF"/>
                 </a:solidFill>
               </a14:hiddenFill>
             </a:ext>
             <a:ext uri="{91240B29-F687-4f45-9708-019B960494DF}">
-              <a14:hiddenLine xmlns="" xmlns:a14="http://schemas.microsoft.com/office/drawing/2010/main" w="9525" cap="flat">
+              <a14:hiddenLine xmlns:a14="http://schemas.microsoft.com/office/drawing/2010/main" xmlns="" w="9525" cap="flat">
                 <a:solidFill>
                   <a:srgbClr val="3465A4"/>
                 </a:solidFill>
@@ -2977,7 +2977,7 @@
               </a14:hiddenLine>
             </a:ext>
             <a:ext uri="{AF507438-7753-43e0-B8FC-AC1667EBCBE1}">
-              <a14:hiddenEffects xmlns="" xmlns:a14="http://schemas.microsoft.com/office/drawing/2010/main">
+              <a14:hiddenEffects xmlns:a14="http://schemas.microsoft.com/office/drawing/2010/main" xmlns="">
                 <a:effectLst>
                   <a:outerShdw dist="35921" dir="2700000" algn="ctr" rotWithShape="0">
                     <a:srgbClr val="808080"/>
@@ -3390,14 +3390,14 @@
           <a:effectLst/>
           <a:extLst>
             <a:ext uri="{909E8E84-426E-40dd-AFC4-6F175D3DCCD1}">
-              <a14:hiddenFill xmlns="" xmlns:a14="http://schemas.microsoft.com/office/drawing/2010/main">
+              <a14:hiddenFill xmlns:a14="http://schemas.microsoft.com/office/drawing/2010/main" xmlns="">
                 <a:solidFill>
                   <a:srgbClr val="FFFFFF"/>
                 </a:solidFill>
               </a14:hiddenFill>
             </a:ext>
             <a:ext uri="{91240B29-F687-4f45-9708-019B960494DF}">
-              <a14:hiddenLine xmlns="" xmlns:a14="http://schemas.microsoft.com/office/drawing/2010/main" w="9525" cap="flat">
+              <a14:hiddenLine xmlns:a14="http://schemas.microsoft.com/office/drawing/2010/main" xmlns="" w="9525" cap="flat">
                 <a:solidFill>
                   <a:srgbClr val="3465A4"/>
                 </a:solidFill>
@@ -3407,7 +3407,7 @@
               </a14:hiddenLine>
             </a:ext>
             <a:ext uri="{AF507438-7753-43e0-B8FC-AC1667EBCBE1}">
-              <a14:hiddenEffects xmlns="" xmlns:a14="http://schemas.microsoft.com/office/drawing/2010/main">
+              <a14:hiddenEffects xmlns:a14="http://schemas.microsoft.com/office/drawing/2010/main" xmlns="">
                 <a:effectLst>
                   <a:outerShdw dist="35921" dir="2700000" algn="ctr" rotWithShape="0">
                     <a:srgbClr val="808080"/>
@@ -3828,7 +3828,7 @@
           </a:ln>
           <a:extLst>
             <a:ext uri="{AF507438-7753-43e0-B8FC-AC1667EBCBE1}">
-              <a14:hiddenEffects xmlns="" xmlns:a14="http://schemas.microsoft.com/office/drawing/2010/main">
+              <a14:hiddenEffects xmlns:a14="http://schemas.microsoft.com/office/drawing/2010/main" xmlns="">
                 <a:effectLst>
                   <a:outerShdw dist="35921" dir="2700000" algn="ctr" rotWithShape="0">
                     <a:srgbClr val="808080"/>
@@ -3862,14 +3862,14 @@
           <a:effectLst/>
           <a:extLst>
             <a:ext uri="{909E8E84-426E-40dd-AFC4-6F175D3DCCD1}">
-              <a14:hiddenFill xmlns="" xmlns:a14="http://schemas.microsoft.com/office/drawing/2010/main">
+              <a14:hiddenFill xmlns:a14="http://schemas.microsoft.com/office/drawing/2010/main" xmlns="">
                 <a:solidFill>
                   <a:srgbClr val="FFFFFF"/>
                 </a:solidFill>
               </a14:hiddenFill>
             </a:ext>
             <a:ext uri="{91240B29-F687-4f45-9708-019B960494DF}">
-              <a14:hiddenLine xmlns="" xmlns:a14="http://schemas.microsoft.com/office/drawing/2010/main" w="9525" cap="flat">
+              <a14:hiddenLine xmlns:a14="http://schemas.microsoft.com/office/drawing/2010/main" xmlns="" w="9525" cap="flat">
                 <a:solidFill>
                   <a:srgbClr val="3465A4"/>
                 </a:solidFill>
@@ -3879,7 +3879,7 @@
               </a14:hiddenLine>
             </a:ext>
             <a:ext uri="{AF507438-7753-43e0-B8FC-AC1667EBCBE1}">
-              <a14:hiddenEffects xmlns="" xmlns:a14="http://schemas.microsoft.com/office/drawing/2010/main">
+              <a14:hiddenEffects xmlns:a14="http://schemas.microsoft.com/office/drawing/2010/main" xmlns="">
                 <a:effectLst>
                   <a:outerShdw dist="35921" dir="2700000" algn="ctr" rotWithShape="0">
                     <a:srgbClr val="808080"/>
@@ -3984,14 +3984,14 @@
           <a:effectLst/>
           <a:extLst>
             <a:ext uri="{909E8E84-426E-40dd-AFC4-6F175D3DCCD1}">
-              <a14:hiddenFill xmlns="" xmlns:a14="http://schemas.microsoft.com/office/drawing/2010/main">
+              <a14:hiddenFill xmlns:a14="http://schemas.microsoft.com/office/drawing/2010/main" xmlns="">
                 <a:solidFill>
                   <a:srgbClr val="FFFFFF"/>
                 </a:solidFill>
               </a14:hiddenFill>
             </a:ext>
             <a:ext uri="{91240B29-F687-4f45-9708-019B960494DF}">
-              <a14:hiddenLine xmlns="" xmlns:a14="http://schemas.microsoft.com/office/drawing/2010/main" w="9525" cap="flat">
+              <a14:hiddenLine xmlns:a14="http://schemas.microsoft.com/office/drawing/2010/main" xmlns="" w="9525" cap="flat">
                 <a:solidFill>
                   <a:srgbClr val="3465A4"/>
                 </a:solidFill>
@@ -4001,7 +4001,7 @@
               </a14:hiddenLine>
             </a:ext>
             <a:ext uri="{AF507438-7753-43e0-B8FC-AC1667EBCBE1}">
-              <a14:hiddenEffects xmlns="" xmlns:a14="http://schemas.microsoft.com/office/drawing/2010/main">
+              <a14:hiddenEffects xmlns:a14="http://schemas.microsoft.com/office/drawing/2010/main" xmlns="">
                 <a:effectLst>
                   <a:outerShdw dist="35921" dir="2700000" algn="ctr" rotWithShape="0">
                     <a:srgbClr val="808080"/>
@@ -4414,14 +4414,14 @@
           <a:effectLst/>
           <a:extLst>
             <a:ext uri="{909E8E84-426E-40dd-AFC4-6F175D3DCCD1}">
-              <a14:hiddenFill xmlns="" xmlns:a14="http://schemas.microsoft.com/office/drawing/2010/main">
+              <a14:hiddenFill xmlns:a14="http://schemas.microsoft.com/office/drawing/2010/main" xmlns="">
                 <a:solidFill>
                   <a:srgbClr val="FFFFFF"/>
                 </a:solidFill>
               </a14:hiddenFill>
             </a:ext>
             <a:ext uri="{91240B29-F687-4f45-9708-019B960494DF}">
-              <a14:hiddenLine xmlns="" xmlns:a14="http://schemas.microsoft.com/office/drawing/2010/main" w="9525" cap="flat">
+              <a14:hiddenLine xmlns:a14="http://schemas.microsoft.com/office/drawing/2010/main" xmlns="" w="9525" cap="flat">
                 <a:solidFill>
                   <a:srgbClr val="3465A4"/>
                 </a:solidFill>
@@ -4431,7 +4431,7 @@
               </a14:hiddenLine>
             </a:ext>
             <a:ext uri="{AF507438-7753-43e0-B8FC-AC1667EBCBE1}">
-              <a14:hiddenEffects xmlns="" xmlns:a14="http://schemas.microsoft.com/office/drawing/2010/main">
+              <a14:hiddenEffects xmlns:a14="http://schemas.microsoft.com/office/drawing/2010/main" xmlns="">
                 <a:effectLst>
                   <a:outerShdw dist="35921" dir="2700000" algn="ctr" rotWithShape="0">
                     <a:srgbClr val="808080"/>
@@ -4852,7 +4852,7 @@
           </a:ln>
           <a:extLst>
             <a:ext uri="{AF507438-7753-43e0-B8FC-AC1667EBCBE1}">
-              <a14:hiddenEffects xmlns="" xmlns:a14="http://schemas.microsoft.com/office/drawing/2010/main">
+              <a14:hiddenEffects xmlns:a14="http://schemas.microsoft.com/office/drawing/2010/main" xmlns="">
                 <a:effectLst>
                   <a:outerShdw dist="35921" dir="2700000" algn="ctr" rotWithShape="0">
                     <a:srgbClr val="808080"/>
@@ -4886,14 +4886,14 @@
           <a:effectLst/>
           <a:extLst>
             <a:ext uri="{909E8E84-426E-40dd-AFC4-6F175D3DCCD1}">
-              <a14:hiddenFill xmlns="" xmlns:a14="http://schemas.microsoft.com/office/drawing/2010/main">
+              <a14:hiddenFill xmlns:a14="http://schemas.microsoft.com/office/drawing/2010/main" xmlns="">
                 <a:solidFill>
                   <a:srgbClr val="FFFFFF"/>
                 </a:solidFill>
               </a14:hiddenFill>
             </a:ext>
             <a:ext uri="{91240B29-F687-4f45-9708-019B960494DF}">
-              <a14:hiddenLine xmlns="" xmlns:a14="http://schemas.microsoft.com/office/drawing/2010/main" w="9525" cap="flat">
+              <a14:hiddenLine xmlns:a14="http://schemas.microsoft.com/office/drawing/2010/main" xmlns="" w="9525" cap="flat">
                 <a:solidFill>
                   <a:srgbClr val="3465A4"/>
                 </a:solidFill>
@@ -4903,7 +4903,7 @@
               </a14:hiddenLine>
             </a:ext>
             <a:ext uri="{AF507438-7753-43e0-B8FC-AC1667EBCBE1}">
-              <a14:hiddenEffects xmlns="" xmlns:a14="http://schemas.microsoft.com/office/drawing/2010/main">
+              <a14:hiddenEffects xmlns:a14="http://schemas.microsoft.com/office/drawing/2010/main" xmlns="">
                 <a:effectLst>
                   <a:outerShdw dist="35921" dir="2700000" algn="ctr" rotWithShape="0">
                     <a:srgbClr val="808080"/>
@@ -5008,14 +5008,14 @@
           <a:effectLst/>
           <a:extLst>
             <a:ext uri="{909E8E84-426E-40dd-AFC4-6F175D3DCCD1}">
-              <a14:hiddenFill xmlns="" xmlns:a14="http://schemas.microsoft.com/office/drawing/2010/main">
+              <a14:hiddenFill xmlns:a14="http://schemas.microsoft.com/office/drawing/2010/main" xmlns="">
                 <a:solidFill>
                   <a:srgbClr val="FFFFFF"/>
                 </a:solidFill>
               </a14:hiddenFill>
             </a:ext>
             <a:ext uri="{91240B29-F687-4f45-9708-019B960494DF}">
-              <a14:hiddenLine xmlns="" xmlns:a14="http://schemas.microsoft.com/office/drawing/2010/main" w="9525" cap="flat">
+              <a14:hiddenLine xmlns:a14="http://schemas.microsoft.com/office/drawing/2010/main" xmlns="" w="9525" cap="flat">
                 <a:solidFill>
                   <a:srgbClr val="3465A4"/>
                 </a:solidFill>
@@ -5025,7 +5025,7 @@
               </a14:hiddenLine>
             </a:ext>
             <a:ext uri="{AF507438-7753-43e0-B8FC-AC1667EBCBE1}">
-              <a14:hiddenEffects xmlns="" xmlns:a14="http://schemas.microsoft.com/office/drawing/2010/main">
+              <a14:hiddenEffects xmlns:a14="http://schemas.microsoft.com/office/drawing/2010/main" xmlns="">
                 <a:effectLst>
                   <a:outerShdw dist="35921" dir="2700000" algn="ctr" rotWithShape="0">
                     <a:srgbClr val="808080"/>
@@ -5438,14 +5438,14 @@
           <a:effectLst/>
           <a:extLst>
             <a:ext uri="{909E8E84-426E-40dd-AFC4-6F175D3DCCD1}">
-              <a14:hiddenFill xmlns="" xmlns:a14="http://schemas.microsoft.com/office/drawing/2010/main">
+              <a14:hiddenFill xmlns:a14="http://schemas.microsoft.com/office/drawing/2010/main" xmlns="">
                 <a:solidFill>
                   <a:srgbClr val="FFFFFF"/>
                 </a:solidFill>
               </a14:hiddenFill>
             </a:ext>
             <a:ext uri="{91240B29-F687-4f45-9708-019B960494DF}">
-              <a14:hiddenLine xmlns="" xmlns:a14="http://schemas.microsoft.com/office/drawing/2010/main" w="9525" cap="flat">
+              <a14:hiddenLine xmlns:a14="http://schemas.microsoft.com/office/drawing/2010/main" xmlns="" w="9525" cap="flat">
                 <a:solidFill>
                   <a:srgbClr val="3465A4"/>
                 </a:solidFill>
@@ -5455,7 +5455,7 @@
               </a14:hiddenLine>
             </a:ext>
             <a:ext uri="{AF507438-7753-43e0-B8FC-AC1667EBCBE1}">
-              <a14:hiddenEffects xmlns="" xmlns:a14="http://schemas.microsoft.com/office/drawing/2010/main">
+              <a14:hiddenEffects xmlns:a14="http://schemas.microsoft.com/office/drawing/2010/main" xmlns="">
                 <a:effectLst>
                   <a:outerShdw dist="35921" dir="2700000" algn="ctr" rotWithShape="0">
                     <a:srgbClr val="808080"/>
@@ -5876,7 +5876,7 @@
           </a:ln>
           <a:extLst>
             <a:ext uri="{AF507438-7753-43e0-B8FC-AC1667EBCBE1}">
-              <a14:hiddenEffects xmlns="" xmlns:a14="http://schemas.microsoft.com/office/drawing/2010/main">
+              <a14:hiddenEffects xmlns:a14="http://schemas.microsoft.com/office/drawing/2010/main" xmlns="">
                 <a:effectLst>
                   <a:outerShdw dist="35921" dir="2700000" algn="ctr" rotWithShape="0">
                     <a:srgbClr val="808080"/>
@@ -5910,14 +5910,14 @@
           <a:effectLst/>
           <a:extLst>
             <a:ext uri="{909E8E84-426E-40dd-AFC4-6F175D3DCCD1}">
-              <a14:hiddenFill xmlns="" xmlns:a14="http://schemas.microsoft.com/office/drawing/2010/main">
+              <a14:hiddenFill xmlns:a14="http://schemas.microsoft.com/office/drawing/2010/main" xmlns="">
                 <a:solidFill>
                   <a:srgbClr val="FFFFFF"/>
                 </a:solidFill>
               </a14:hiddenFill>
             </a:ext>
             <a:ext uri="{91240B29-F687-4f45-9708-019B960494DF}">
-              <a14:hiddenLine xmlns="" xmlns:a14="http://schemas.microsoft.com/office/drawing/2010/main" w="9525" cap="flat">
+              <a14:hiddenLine xmlns:a14="http://schemas.microsoft.com/office/drawing/2010/main" xmlns="" w="9525" cap="flat">
                 <a:solidFill>
                   <a:srgbClr val="3465A4"/>
                 </a:solidFill>
@@ -5927,7 +5927,7 @@
               </a14:hiddenLine>
             </a:ext>
             <a:ext uri="{AF507438-7753-43e0-B8FC-AC1667EBCBE1}">
-              <a14:hiddenEffects xmlns="" xmlns:a14="http://schemas.microsoft.com/office/drawing/2010/main">
+              <a14:hiddenEffects xmlns:a14="http://schemas.microsoft.com/office/drawing/2010/main" xmlns="">
                 <a:effectLst>
                   <a:outerShdw dist="35921" dir="2700000" algn="ctr" rotWithShape="0">
                     <a:srgbClr val="808080"/>
@@ -6032,14 +6032,14 @@
           <a:effectLst/>
           <a:extLst>
             <a:ext uri="{909E8E84-426E-40dd-AFC4-6F175D3DCCD1}">
-              <a14:hiddenFill xmlns="" xmlns:a14="http://schemas.microsoft.com/office/drawing/2010/main">
+              <a14:hiddenFill xmlns:a14="http://schemas.microsoft.com/office/drawing/2010/main" xmlns="">
                 <a:solidFill>
                   <a:srgbClr val="FFFFFF"/>
                 </a:solidFill>
               </a14:hiddenFill>
             </a:ext>
             <a:ext uri="{91240B29-F687-4f45-9708-019B960494DF}">
-              <a14:hiddenLine xmlns="" xmlns:a14="http://schemas.microsoft.com/office/drawing/2010/main" w="9525" cap="flat">
+              <a14:hiddenLine xmlns:a14="http://schemas.microsoft.com/office/drawing/2010/main" xmlns="" w="9525" cap="flat">
                 <a:solidFill>
                   <a:srgbClr val="3465A4"/>
                 </a:solidFill>
@@ -6049,7 +6049,7 @@
               </a14:hiddenLine>
             </a:ext>
             <a:ext uri="{AF507438-7753-43e0-B8FC-AC1667EBCBE1}">
-              <a14:hiddenEffects xmlns="" xmlns:a14="http://schemas.microsoft.com/office/drawing/2010/main">
+              <a14:hiddenEffects xmlns:a14="http://schemas.microsoft.com/office/drawing/2010/main" xmlns="">
                 <a:effectLst>
                   <a:outerShdw dist="35921" dir="2700000" algn="ctr" rotWithShape="0">
                     <a:srgbClr val="808080"/>
@@ -6462,14 +6462,14 @@
           <a:effectLst/>
           <a:extLst>
             <a:ext uri="{909E8E84-426E-40dd-AFC4-6F175D3DCCD1}">
-              <a14:hiddenFill xmlns="" xmlns:a14="http://schemas.microsoft.com/office/drawing/2010/main">
+              <a14:hiddenFill xmlns:a14="http://schemas.microsoft.com/office/drawing/2010/main" xmlns="">
                 <a:solidFill>
                   <a:srgbClr val="FFFFFF"/>
                 </a:solidFill>
               </a14:hiddenFill>
             </a:ext>
             <a:ext uri="{91240B29-F687-4f45-9708-019B960494DF}">
-              <a14:hiddenLine xmlns="" xmlns:a14="http://schemas.microsoft.com/office/drawing/2010/main" w="9525" cap="flat">
+              <a14:hiddenLine xmlns:a14="http://schemas.microsoft.com/office/drawing/2010/main" xmlns="" w="9525" cap="flat">
                 <a:solidFill>
                   <a:srgbClr val="3465A4"/>
                 </a:solidFill>
@@ -6479,7 +6479,7 @@
               </a14:hiddenLine>
             </a:ext>
             <a:ext uri="{AF507438-7753-43e0-B8FC-AC1667EBCBE1}">
-              <a14:hiddenEffects xmlns="" xmlns:a14="http://schemas.microsoft.com/office/drawing/2010/main">
+              <a14:hiddenEffects xmlns:a14="http://schemas.microsoft.com/office/drawing/2010/main" xmlns="">
                 <a:effectLst>
                   <a:outerShdw dist="35921" dir="2700000" algn="ctr" rotWithShape="0">
                     <a:srgbClr val="808080"/>
@@ -6900,7 +6900,7 @@
           </a:ln>
           <a:extLst>
             <a:ext uri="{AF507438-7753-43e0-B8FC-AC1667EBCBE1}">
-              <a14:hiddenEffects xmlns="" xmlns:a14="http://schemas.microsoft.com/office/drawing/2010/main">
+              <a14:hiddenEffects xmlns:a14="http://schemas.microsoft.com/office/drawing/2010/main" xmlns="">
                 <a:effectLst>
                   <a:outerShdw dist="35921" dir="2700000" algn="ctr" rotWithShape="0">
                     <a:srgbClr val="808080"/>
@@ -6934,14 +6934,14 @@
           <a:effectLst/>
           <a:extLst>
             <a:ext uri="{909E8E84-426E-40dd-AFC4-6F175D3DCCD1}">
-              <a14:hiddenFill xmlns="" xmlns:a14="http://schemas.microsoft.com/office/drawing/2010/main">
+              <a14:hiddenFill xmlns:a14="http://schemas.microsoft.com/office/drawing/2010/main" xmlns="">
                 <a:solidFill>
                   <a:srgbClr val="FFFFFF"/>
                 </a:solidFill>
               </a14:hiddenFill>
             </a:ext>
             <a:ext uri="{91240B29-F687-4f45-9708-019B960494DF}">
-              <a14:hiddenLine xmlns="" xmlns:a14="http://schemas.microsoft.com/office/drawing/2010/main" w="9525" cap="flat">
+              <a14:hiddenLine xmlns:a14="http://schemas.microsoft.com/office/drawing/2010/main" xmlns="" w="9525" cap="flat">
                 <a:solidFill>
                   <a:srgbClr val="3465A4"/>
                 </a:solidFill>
@@ -6951,7 +6951,7 @@
               </a14:hiddenLine>
             </a:ext>
             <a:ext uri="{AF507438-7753-43e0-B8FC-AC1667EBCBE1}">
-              <a14:hiddenEffects xmlns="" xmlns:a14="http://schemas.microsoft.com/office/drawing/2010/main">
+              <a14:hiddenEffects xmlns:a14="http://schemas.microsoft.com/office/drawing/2010/main" xmlns="">
                 <a:effectLst>
                   <a:outerShdw dist="35921" dir="2700000" algn="ctr" rotWithShape="0">
                     <a:srgbClr val="808080"/>
@@ -7056,14 +7056,14 @@
           <a:effectLst/>
           <a:extLst>
             <a:ext uri="{909E8E84-426E-40dd-AFC4-6F175D3DCCD1}">
-              <a14:hiddenFill xmlns="" xmlns:a14="http://schemas.microsoft.com/office/drawing/2010/main">
+              <a14:hiddenFill xmlns:a14="http://schemas.microsoft.com/office/drawing/2010/main" xmlns="">
                 <a:solidFill>
                   <a:srgbClr val="FFFFFF"/>
                 </a:solidFill>
               </a14:hiddenFill>
             </a:ext>
             <a:ext uri="{91240B29-F687-4f45-9708-019B960494DF}">
-              <a14:hiddenLine xmlns="" xmlns:a14="http://schemas.microsoft.com/office/drawing/2010/main" w="9525" cap="flat">
+              <a14:hiddenLine xmlns:a14="http://schemas.microsoft.com/office/drawing/2010/main" xmlns="" w="9525" cap="flat">
                 <a:solidFill>
                   <a:srgbClr val="3465A4"/>
                 </a:solidFill>
@@ -7073,7 +7073,7 @@
               </a14:hiddenLine>
             </a:ext>
             <a:ext uri="{AF507438-7753-43e0-B8FC-AC1667EBCBE1}">
-              <a14:hiddenEffects xmlns="" xmlns:a14="http://schemas.microsoft.com/office/drawing/2010/main">
+              <a14:hiddenEffects xmlns:a14="http://schemas.microsoft.com/office/drawing/2010/main" xmlns="">
                 <a:effectLst>
                   <a:outerShdw dist="35921" dir="2700000" algn="ctr" rotWithShape="0">
                     <a:srgbClr val="808080"/>
@@ -7486,14 +7486,14 @@
           <a:effectLst/>
           <a:extLst>
             <a:ext uri="{909E8E84-426E-40dd-AFC4-6F175D3DCCD1}">
-              <a14:hiddenFill xmlns="" xmlns:a14="http://schemas.microsoft.com/office/drawing/2010/main">
+              <a14:hiddenFill xmlns:a14="http://schemas.microsoft.com/office/drawing/2010/main" xmlns="">
                 <a:solidFill>
                   <a:srgbClr val="FFFFFF"/>
                 </a:solidFill>
               </a14:hiddenFill>
             </a:ext>
             <a:ext uri="{91240B29-F687-4f45-9708-019B960494DF}">
-              <a14:hiddenLine xmlns="" xmlns:a14="http://schemas.microsoft.com/office/drawing/2010/main" w="9525" cap="flat">
+              <a14:hiddenLine xmlns:a14="http://schemas.microsoft.com/office/drawing/2010/main" xmlns="" w="9525" cap="flat">
                 <a:solidFill>
                   <a:srgbClr val="3465A4"/>
                 </a:solidFill>
@@ -7503,7 +7503,7 @@
               </a14:hiddenLine>
             </a:ext>
             <a:ext uri="{AF507438-7753-43e0-B8FC-AC1667EBCBE1}">
-              <a14:hiddenEffects xmlns="" xmlns:a14="http://schemas.microsoft.com/office/drawing/2010/main">
+              <a14:hiddenEffects xmlns:a14="http://schemas.microsoft.com/office/drawing/2010/main" xmlns="">
                 <a:effectLst>
                   <a:outerShdw dist="35921" dir="2700000" algn="ctr" rotWithShape="0">
                     <a:srgbClr val="808080"/>
@@ -7924,7 +7924,7 @@
           </a:ln>
           <a:extLst>
             <a:ext uri="{AF507438-7753-43e0-B8FC-AC1667EBCBE1}">
-              <a14:hiddenEffects xmlns="" xmlns:a14="http://schemas.microsoft.com/office/drawing/2010/main">
+              <a14:hiddenEffects xmlns:a14="http://schemas.microsoft.com/office/drawing/2010/main" xmlns="">
                 <a:effectLst>
                   <a:outerShdw dist="35921" dir="2700000" algn="ctr" rotWithShape="0">
                     <a:srgbClr val="808080"/>
@@ -7958,14 +7958,14 @@
           <a:effectLst/>
           <a:extLst>
             <a:ext uri="{909E8E84-426E-40dd-AFC4-6F175D3DCCD1}">
-              <a14:hiddenFill xmlns="" xmlns:a14="http://schemas.microsoft.com/office/drawing/2010/main">
+              <a14:hiddenFill xmlns:a14="http://schemas.microsoft.com/office/drawing/2010/main" xmlns="">
                 <a:solidFill>
                   <a:srgbClr val="FFFFFF"/>
                 </a:solidFill>
               </a14:hiddenFill>
             </a:ext>
             <a:ext uri="{91240B29-F687-4f45-9708-019B960494DF}">
-              <a14:hiddenLine xmlns="" xmlns:a14="http://schemas.microsoft.com/office/drawing/2010/main" w="9525" cap="flat">
+              <a14:hiddenLine xmlns:a14="http://schemas.microsoft.com/office/drawing/2010/main" xmlns="" w="9525" cap="flat">
                 <a:solidFill>
                   <a:srgbClr val="3465A4"/>
                 </a:solidFill>
@@ -7975,7 +7975,7 @@
               </a14:hiddenLine>
             </a:ext>
             <a:ext uri="{AF507438-7753-43e0-B8FC-AC1667EBCBE1}">
-              <a14:hiddenEffects xmlns="" xmlns:a14="http://schemas.microsoft.com/office/drawing/2010/main">
+              <a14:hiddenEffects xmlns:a14="http://schemas.microsoft.com/office/drawing/2010/main" xmlns="">
                 <a:effectLst>
                   <a:outerShdw dist="35921" dir="2700000" algn="ctr" rotWithShape="0">
                     <a:srgbClr val="808080"/>
@@ -8080,14 +8080,14 @@
           <a:effectLst/>
           <a:extLst>
             <a:ext uri="{909E8E84-426E-40dd-AFC4-6F175D3DCCD1}">
-              <a14:hiddenFill xmlns="" xmlns:a14="http://schemas.microsoft.com/office/drawing/2010/main">
+              <a14:hiddenFill xmlns:a14="http://schemas.microsoft.com/office/drawing/2010/main" xmlns="">
                 <a:solidFill>
                   <a:srgbClr val="FFFFFF"/>
                 </a:solidFill>
               </a14:hiddenFill>
             </a:ext>
             <a:ext uri="{91240B29-F687-4f45-9708-019B960494DF}">
-              <a14:hiddenLine xmlns="" xmlns:a14="http://schemas.microsoft.com/office/drawing/2010/main" w="9525" cap="flat">
+              <a14:hiddenLine xmlns:a14="http://schemas.microsoft.com/office/drawing/2010/main" xmlns="" w="9525" cap="flat">
                 <a:solidFill>
                   <a:srgbClr val="3465A4"/>
                 </a:solidFill>
@@ -8097,7 +8097,7 @@
               </a14:hiddenLine>
             </a:ext>
             <a:ext uri="{AF507438-7753-43e0-B8FC-AC1667EBCBE1}">
-              <a14:hiddenEffects xmlns="" xmlns:a14="http://schemas.microsoft.com/office/drawing/2010/main">
+              <a14:hiddenEffects xmlns:a14="http://schemas.microsoft.com/office/drawing/2010/main" xmlns="">
                 <a:effectLst>
                   <a:outerShdw dist="35921" dir="2700000" algn="ctr" rotWithShape="0">
                     <a:srgbClr val="808080"/>
@@ -8518,7 +8518,7 @@
           </a:ln>
           <a:extLst>
             <a:ext uri="{AF507438-7753-43e0-B8FC-AC1667EBCBE1}">
-              <a14:hiddenEffects xmlns="" xmlns:a14="http://schemas.microsoft.com/office/drawing/2010/main">
+              <a14:hiddenEffects xmlns:a14="http://schemas.microsoft.com/office/drawing/2010/main" xmlns="">
                 <a:effectLst>
                   <a:outerShdw dist="35921" dir="2700000" algn="ctr" rotWithShape="0">
                     <a:srgbClr val="808080"/>
@@ -8552,14 +8552,14 @@
           <a:effectLst/>
           <a:extLst>
             <a:ext uri="{909E8E84-426E-40dd-AFC4-6F175D3DCCD1}">
-              <a14:hiddenFill xmlns="" xmlns:a14="http://schemas.microsoft.com/office/drawing/2010/main">
+              <a14:hiddenFill xmlns:a14="http://schemas.microsoft.com/office/drawing/2010/main" xmlns="">
                 <a:solidFill>
                   <a:srgbClr val="FFFFFF"/>
                 </a:solidFill>
               </a14:hiddenFill>
             </a:ext>
             <a:ext uri="{91240B29-F687-4f45-9708-019B960494DF}">
-              <a14:hiddenLine xmlns="" xmlns:a14="http://schemas.microsoft.com/office/drawing/2010/main" w="9525" cap="flat">
+              <a14:hiddenLine xmlns:a14="http://schemas.microsoft.com/office/drawing/2010/main" xmlns="" w="9525" cap="flat">
                 <a:solidFill>
                   <a:srgbClr val="3465A4"/>
                 </a:solidFill>
@@ -8569,7 +8569,7 @@
               </a14:hiddenLine>
             </a:ext>
             <a:ext uri="{AF507438-7753-43e0-B8FC-AC1667EBCBE1}">
-              <a14:hiddenEffects xmlns="" xmlns:a14="http://schemas.microsoft.com/office/drawing/2010/main">
+              <a14:hiddenEffects xmlns:a14="http://schemas.microsoft.com/office/drawing/2010/main" xmlns="">
                 <a:effectLst>
                   <a:outerShdw dist="35921" dir="2700000" algn="ctr" rotWithShape="0">
                     <a:srgbClr val="808080"/>
@@ -8674,14 +8674,14 @@
           <a:effectLst/>
           <a:extLst>
             <a:ext uri="{909E8E84-426E-40dd-AFC4-6F175D3DCCD1}">
-              <a14:hiddenFill xmlns="" xmlns:a14="http://schemas.microsoft.com/office/drawing/2010/main">
+              <a14:hiddenFill xmlns:a14="http://schemas.microsoft.com/office/drawing/2010/main" xmlns="">
                 <a:solidFill>
                   <a:srgbClr val="FFFFFF"/>
                 </a:solidFill>
               </a14:hiddenFill>
             </a:ext>
             <a:ext uri="{91240B29-F687-4f45-9708-019B960494DF}">
-              <a14:hiddenLine xmlns="" xmlns:a14="http://schemas.microsoft.com/office/drawing/2010/main" w="9525" cap="flat">
+              <a14:hiddenLine xmlns:a14="http://schemas.microsoft.com/office/drawing/2010/main" xmlns="" w="9525" cap="flat">
                 <a:solidFill>
                   <a:srgbClr val="3465A4"/>
                 </a:solidFill>
@@ -8691,7 +8691,7 @@
               </a14:hiddenLine>
             </a:ext>
             <a:ext uri="{AF507438-7753-43e0-B8FC-AC1667EBCBE1}">
-              <a14:hiddenEffects xmlns="" xmlns:a14="http://schemas.microsoft.com/office/drawing/2010/main">
+              <a14:hiddenEffects xmlns:a14="http://schemas.microsoft.com/office/drawing/2010/main" xmlns="">
                 <a:effectLst>
                   <a:outerShdw dist="35921" dir="2700000" algn="ctr" rotWithShape="0">
                     <a:srgbClr val="808080"/>
@@ -9104,14 +9104,14 @@
           <a:effectLst/>
           <a:extLst>
             <a:ext uri="{909E8E84-426E-40dd-AFC4-6F175D3DCCD1}">
-              <a14:hiddenFill xmlns="" xmlns:a14="http://schemas.microsoft.com/office/drawing/2010/main">
+              <a14:hiddenFill xmlns:a14="http://schemas.microsoft.com/office/drawing/2010/main" xmlns="">
                 <a:solidFill>
                   <a:srgbClr val="FFFFFF"/>
                 </a:solidFill>
               </a14:hiddenFill>
             </a:ext>
             <a:ext uri="{91240B29-F687-4f45-9708-019B960494DF}">
-              <a14:hiddenLine xmlns="" xmlns:a14="http://schemas.microsoft.com/office/drawing/2010/main" w="9525" cap="flat">
+              <a14:hiddenLine xmlns:a14="http://schemas.microsoft.com/office/drawing/2010/main" xmlns="" w="9525" cap="flat">
                 <a:solidFill>
                   <a:srgbClr val="3465A4"/>
                 </a:solidFill>
@@ -9121,7 +9121,7 @@
               </a14:hiddenLine>
             </a:ext>
             <a:ext uri="{AF507438-7753-43e0-B8FC-AC1667EBCBE1}">
-              <a14:hiddenEffects xmlns="" xmlns:a14="http://schemas.microsoft.com/office/drawing/2010/main">
+              <a14:hiddenEffects xmlns:a14="http://schemas.microsoft.com/office/drawing/2010/main" xmlns="">
                 <a:effectLst>
                   <a:outerShdw dist="35921" dir="2700000" algn="ctr" rotWithShape="0">
                     <a:srgbClr val="808080"/>
@@ -9542,7 +9542,7 @@
           </a:ln>
           <a:extLst>
             <a:ext uri="{AF507438-7753-43e0-B8FC-AC1667EBCBE1}">
-              <a14:hiddenEffects xmlns="" xmlns:a14="http://schemas.microsoft.com/office/drawing/2010/main">
+              <a14:hiddenEffects xmlns:a14="http://schemas.microsoft.com/office/drawing/2010/main" xmlns="">
                 <a:effectLst>
                   <a:outerShdw dist="35921" dir="2700000" algn="ctr" rotWithShape="0">
                     <a:srgbClr val="808080"/>
@@ -9576,14 +9576,14 @@
           <a:effectLst/>
           <a:extLst>
             <a:ext uri="{909E8E84-426E-40dd-AFC4-6F175D3DCCD1}">
-              <a14:hiddenFill xmlns="" xmlns:a14="http://schemas.microsoft.com/office/drawing/2010/main">
+              <a14:hiddenFill xmlns:a14="http://schemas.microsoft.com/office/drawing/2010/main" xmlns="">
                 <a:solidFill>
                   <a:srgbClr val="FFFFFF"/>
                 </a:solidFill>
               </a14:hiddenFill>
             </a:ext>
             <a:ext uri="{91240B29-F687-4f45-9708-019B960494DF}">
-              <a14:hiddenLine xmlns="" xmlns:a14="http://schemas.microsoft.com/office/drawing/2010/main" w="9525" cap="flat">
+              <a14:hiddenLine xmlns:a14="http://schemas.microsoft.com/office/drawing/2010/main" xmlns="" w="9525" cap="flat">
                 <a:solidFill>
                   <a:srgbClr val="3465A4"/>
                 </a:solidFill>
@@ -9593,7 +9593,7 @@
               </a14:hiddenLine>
             </a:ext>
             <a:ext uri="{AF507438-7753-43e0-B8FC-AC1667EBCBE1}">
-              <a14:hiddenEffects xmlns="" xmlns:a14="http://schemas.microsoft.com/office/drawing/2010/main">
+              <a14:hiddenEffects xmlns:a14="http://schemas.microsoft.com/office/drawing/2010/main" xmlns="">
                 <a:effectLst>
                   <a:outerShdw dist="35921" dir="2700000" algn="ctr" rotWithShape="0">
                     <a:srgbClr val="808080"/>
@@ -9698,14 +9698,14 @@
           <a:effectLst/>
           <a:extLst>
             <a:ext uri="{909E8E84-426E-40dd-AFC4-6F175D3DCCD1}">
-              <a14:hiddenFill xmlns="" xmlns:a14="http://schemas.microsoft.com/office/drawing/2010/main">
+              <a14:hiddenFill xmlns:a14="http://schemas.microsoft.com/office/drawing/2010/main" xmlns="">
                 <a:solidFill>
                   <a:srgbClr val="FFFFFF"/>
                 </a:solidFill>
               </a14:hiddenFill>
             </a:ext>
             <a:ext uri="{91240B29-F687-4f45-9708-019B960494DF}">
-              <a14:hiddenLine xmlns="" xmlns:a14="http://schemas.microsoft.com/office/drawing/2010/main" w="9525" cap="flat">
+              <a14:hiddenLine xmlns:a14="http://schemas.microsoft.com/office/drawing/2010/main" xmlns="" w="9525" cap="flat">
                 <a:solidFill>
                   <a:srgbClr val="3465A4"/>
                 </a:solidFill>
@@ -9715,7 +9715,7 @@
               </a14:hiddenLine>
             </a:ext>
             <a:ext uri="{AF507438-7753-43e0-B8FC-AC1667EBCBE1}">
-              <a14:hiddenEffects xmlns="" xmlns:a14="http://schemas.microsoft.com/office/drawing/2010/main">
+              <a14:hiddenEffects xmlns:a14="http://schemas.microsoft.com/office/drawing/2010/main" xmlns="">
                 <a:effectLst>
                   <a:outerShdw dist="35921" dir="2700000" algn="ctr" rotWithShape="0">
                     <a:srgbClr val="808080"/>
@@ -10136,7 +10136,7 @@
           </a:ln>
           <a:extLst>
             <a:ext uri="{AF507438-7753-43e0-B8FC-AC1667EBCBE1}">
-              <a14:hiddenEffects xmlns="" xmlns:a14="http://schemas.microsoft.com/office/drawing/2010/main">
+              <a14:hiddenEffects xmlns:a14="http://schemas.microsoft.com/office/drawing/2010/main" xmlns="">
                 <a:effectLst>
                   <a:outerShdw dist="35921" dir="2700000" algn="ctr" rotWithShape="0">
                     <a:srgbClr val="808080"/>
@@ -10170,14 +10170,14 @@
           <a:effectLst/>
           <a:extLst>
             <a:ext uri="{909E8E84-426E-40dd-AFC4-6F175D3DCCD1}">
-              <a14:hiddenFill xmlns="" xmlns:a14="http://schemas.microsoft.com/office/drawing/2010/main">
+              <a14:hiddenFill xmlns:a14="http://schemas.microsoft.com/office/drawing/2010/main" xmlns="">
                 <a:solidFill>
                   <a:srgbClr val="FFFFFF"/>
                 </a:solidFill>
               </a14:hiddenFill>
             </a:ext>
             <a:ext uri="{91240B29-F687-4f45-9708-019B960494DF}">
-              <a14:hiddenLine xmlns="" xmlns:a14="http://schemas.microsoft.com/office/drawing/2010/main" w="9525" cap="flat">
+              <a14:hiddenLine xmlns:a14="http://schemas.microsoft.com/office/drawing/2010/main" xmlns="" w="9525" cap="flat">
                 <a:solidFill>
                   <a:srgbClr val="3465A4"/>
                 </a:solidFill>
@@ -10187,7 +10187,7 @@
               </a14:hiddenLine>
             </a:ext>
             <a:ext uri="{AF507438-7753-43e0-B8FC-AC1667EBCBE1}">
-              <a14:hiddenEffects xmlns="" xmlns:a14="http://schemas.microsoft.com/office/drawing/2010/main">
+              <a14:hiddenEffects xmlns:a14="http://schemas.microsoft.com/office/drawing/2010/main" xmlns="">
                 <a:effectLst>
                   <a:outerShdw dist="35921" dir="2700000" algn="ctr" rotWithShape="0">
                     <a:srgbClr val="808080"/>
@@ -10292,14 +10292,14 @@
           <a:effectLst/>
           <a:extLst>
             <a:ext uri="{909E8E84-426E-40dd-AFC4-6F175D3DCCD1}">
-              <a14:hiddenFill xmlns="" xmlns:a14="http://schemas.microsoft.com/office/drawing/2010/main">
+              <a14:hiddenFill xmlns:a14="http://schemas.microsoft.com/office/drawing/2010/main" xmlns="">
                 <a:solidFill>
                   <a:srgbClr val="FFFFFF"/>
                 </a:solidFill>
               </a14:hiddenFill>
             </a:ext>
             <a:ext uri="{91240B29-F687-4f45-9708-019B960494DF}">
-              <a14:hiddenLine xmlns="" xmlns:a14="http://schemas.microsoft.com/office/drawing/2010/main" w="9525" cap="flat">
+              <a14:hiddenLine xmlns:a14="http://schemas.microsoft.com/office/drawing/2010/main" xmlns="" w="9525" cap="flat">
                 <a:solidFill>
                   <a:srgbClr val="3465A4"/>
                 </a:solidFill>
@@ -10309,7 +10309,7 @@
               </a14:hiddenLine>
             </a:ext>
             <a:ext uri="{AF507438-7753-43e0-B8FC-AC1667EBCBE1}">
-              <a14:hiddenEffects xmlns="" xmlns:a14="http://schemas.microsoft.com/office/drawing/2010/main">
+              <a14:hiddenEffects xmlns:a14="http://schemas.microsoft.com/office/drawing/2010/main" xmlns="">
                 <a:effectLst>
                   <a:outerShdw dist="35921" dir="2700000" algn="ctr" rotWithShape="0">
                     <a:srgbClr val="808080"/>
@@ -10730,7 +10730,7 @@
           </a:ln>
           <a:extLst>
             <a:ext uri="{AF507438-7753-43e0-B8FC-AC1667EBCBE1}">
-              <a14:hiddenEffects xmlns="" xmlns:a14="http://schemas.microsoft.com/office/drawing/2010/main">
+              <a14:hiddenEffects xmlns:a14="http://schemas.microsoft.com/office/drawing/2010/main" xmlns="">
                 <a:effectLst>
                   <a:outerShdw dist="35921" dir="2700000" algn="ctr" rotWithShape="0">
                     <a:srgbClr val="808080"/>
@@ -10764,14 +10764,14 @@
           <a:effectLst/>
           <a:extLst>
             <a:ext uri="{909E8E84-426E-40dd-AFC4-6F175D3DCCD1}">
-              <a14:hiddenFill xmlns="" xmlns:a14="http://schemas.microsoft.com/office/drawing/2010/main">
+              <a14:hiddenFill xmlns:a14="http://schemas.microsoft.com/office/drawing/2010/main" xmlns="">
                 <a:solidFill>
                   <a:srgbClr val="FFFFFF"/>
                 </a:solidFill>
               </a14:hiddenFill>
             </a:ext>
             <a:ext uri="{91240B29-F687-4f45-9708-019B960494DF}">
-              <a14:hiddenLine xmlns="" xmlns:a14="http://schemas.microsoft.com/office/drawing/2010/main" w="9525" cap="flat">
+              <a14:hiddenLine xmlns:a14="http://schemas.microsoft.com/office/drawing/2010/main" xmlns="" w="9525" cap="flat">
                 <a:solidFill>
                   <a:srgbClr val="3465A4"/>
                 </a:solidFill>
@@ -10781,7 +10781,7 @@
               </a14:hiddenLine>
             </a:ext>
             <a:ext uri="{AF507438-7753-43e0-B8FC-AC1667EBCBE1}">
-              <a14:hiddenEffects xmlns="" xmlns:a14="http://schemas.microsoft.com/office/drawing/2010/main">
+              <a14:hiddenEffects xmlns:a14="http://schemas.microsoft.com/office/drawing/2010/main" xmlns="">
                 <a:effectLst>
                   <a:outerShdw dist="35921" dir="2700000" algn="ctr" rotWithShape="0">
                     <a:srgbClr val="808080"/>
@@ -10886,14 +10886,14 @@
           <a:effectLst/>
           <a:extLst>
             <a:ext uri="{909E8E84-426E-40dd-AFC4-6F175D3DCCD1}">
-              <a14:hiddenFill xmlns="" xmlns:a14="http://schemas.microsoft.com/office/drawing/2010/main">
+              <a14:hiddenFill xmlns:a14="http://schemas.microsoft.com/office/drawing/2010/main" xmlns="">
                 <a:solidFill>
                   <a:srgbClr val="FFFFFF"/>
                 </a:solidFill>
               </a14:hiddenFill>
             </a:ext>
             <a:ext uri="{91240B29-F687-4f45-9708-019B960494DF}">
-              <a14:hiddenLine xmlns="" xmlns:a14="http://schemas.microsoft.com/office/drawing/2010/main" w="9525" cap="flat">
+              <a14:hiddenLine xmlns:a14="http://schemas.microsoft.com/office/drawing/2010/main" xmlns="" w="9525" cap="flat">
                 <a:solidFill>
                   <a:srgbClr val="3465A4"/>
                 </a:solidFill>
@@ -10903,7 +10903,7 @@
               </a14:hiddenLine>
             </a:ext>
             <a:ext uri="{AF507438-7753-43e0-B8FC-AC1667EBCBE1}">
-              <a14:hiddenEffects xmlns="" xmlns:a14="http://schemas.microsoft.com/office/drawing/2010/main">
+              <a14:hiddenEffects xmlns:a14="http://schemas.microsoft.com/office/drawing/2010/main" xmlns="">
                 <a:effectLst>
                   <a:outerShdw dist="35921" dir="2700000" algn="ctr" rotWithShape="0">
                     <a:srgbClr val="808080"/>
@@ -11316,14 +11316,14 @@
           <a:effectLst/>
           <a:extLst>
             <a:ext uri="{909E8E84-426E-40dd-AFC4-6F175D3DCCD1}">
-              <a14:hiddenFill xmlns="" xmlns:a14="http://schemas.microsoft.com/office/drawing/2010/main">
+              <a14:hiddenFill xmlns:a14="http://schemas.microsoft.com/office/drawing/2010/main" xmlns="">
                 <a:solidFill>
                   <a:srgbClr val="FFFFFF"/>
                 </a:solidFill>
               </a14:hiddenFill>
             </a:ext>
             <a:ext uri="{91240B29-F687-4f45-9708-019B960494DF}">
-              <a14:hiddenLine xmlns="" xmlns:a14="http://schemas.microsoft.com/office/drawing/2010/main" w="9525" cap="flat">
+              <a14:hiddenLine xmlns:a14="http://schemas.microsoft.com/office/drawing/2010/main" xmlns="" w="9525" cap="flat">
                 <a:solidFill>
                   <a:srgbClr val="3465A4"/>
                 </a:solidFill>
@@ -11333,7 +11333,7 @@
               </a14:hiddenLine>
             </a:ext>
             <a:ext uri="{AF507438-7753-43e0-B8FC-AC1667EBCBE1}">
-              <a14:hiddenEffects xmlns="" xmlns:a14="http://schemas.microsoft.com/office/drawing/2010/main">
+              <a14:hiddenEffects xmlns:a14="http://schemas.microsoft.com/office/drawing/2010/main" xmlns="">
                 <a:effectLst>
                   <a:outerShdw dist="35921" dir="2700000" algn="ctr" rotWithShape="0">
                     <a:srgbClr val="808080"/>
@@ -11754,7 +11754,7 @@
           </a:ln>
           <a:extLst>
             <a:ext uri="{AF507438-7753-43e0-B8FC-AC1667EBCBE1}">
-              <a14:hiddenEffects xmlns="" xmlns:a14="http://schemas.microsoft.com/office/drawing/2010/main">
+              <a14:hiddenEffects xmlns:a14="http://schemas.microsoft.com/office/drawing/2010/main" xmlns="">
                 <a:effectLst>
                   <a:outerShdw dist="35921" dir="2700000" algn="ctr" rotWithShape="0">
                     <a:srgbClr val="808080"/>
@@ -11788,14 +11788,14 @@
           <a:effectLst/>
           <a:extLst>
             <a:ext uri="{909E8E84-426E-40dd-AFC4-6F175D3DCCD1}">
-              <a14:hiddenFill xmlns="" xmlns:a14="http://schemas.microsoft.com/office/drawing/2010/main">
+              <a14:hiddenFill xmlns:a14="http://schemas.microsoft.com/office/drawing/2010/main" xmlns="">
                 <a:solidFill>
                   <a:srgbClr val="FFFFFF"/>
                 </a:solidFill>
               </a14:hiddenFill>
             </a:ext>
             <a:ext uri="{91240B29-F687-4f45-9708-019B960494DF}">
-              <a14:hiddenLine xmlns="" xmlns:a14="http://schemas.microsoft.com/office/drawing/2010/main" w="9525" cap="flat">
+              <a14:hiddenLine xmlns:a14="http://schemas.microsoft.com/office/drawing/2010/main" xmlns="" w="9525" cap="flat">
                 <a:solidFill>
                   <a:srgbClr val="3465A4"/>
                 </a:solidFill>
@@ -11805,7 +11805,7 @@
               </a14:hiddenLine>
             </a:ext>
             <a:ext uri="{AF507438-7753-43e0-B8FC-AC1667EBCBE1}">
-              <a14:hiddenEffects xmlns="" xmlns:a14="http://schemas.microsoft.com/office/drawing/2010/main">
+              <a14:hiddenEffects xmlns:a14="http://schemas.microsoft.com/office/drawing/2010/main" xmlns="">
                 <a:effectLst>
                   <a:outerShdw dist="35921" dir="2700000" algn="ctr" rotWithShape="0">
                     <a:srgbClr val="808080"/>
@@ -11942,14 +11942,14 @@
           <a:effectLst/>
           <a:extLst>
             <a:ext uri="{909E8E84-426E-40dd-AFC4-6F175D3DCCD1}">
-              <a14:hiddenFill xmlns="" xmlns:a14="http://schemas.microsoft.com/office/drawing/2010/main">
+              <a14:hiddenFill xmlns:a14="http://schemas.microsoft.com/office/drawing/2010/main" xmlns="">
                 <a:solidFill>
                   <a:srgbClr val="FFFFFF"/>
                 </a:solidFill>
               </a14:hiddenFill>
             </a:ext>
             <a:ext uri="{91240B29-F687-4f45-9708-019B960494DF}">
-              <a14:hiddenLine xmlns="" xmlns:a14="http://schemas.microsoft.com/office/drawing/2010/main" w="9525" cap="flat">
+              <a14:hiddenLine xmlns:a14="http://schemas.microsoft.com/office/drawing/2010/main" xmlns="" w="9525" cap="flat">
                 <a:solidFill>
                   <a:srgbClr val="3465A4"/>
                 </a:solidFill>
@@ -11959,7 +11959,7 @@
               </a14:hiddenLine>
             </a:ext>
             <a:ext uri="{AF507438-7753-43e0-B8FC-AC1667EBCBE1}">
-              <a14:hiddenEffects xmlns="" xmlns:a14="http://schemas.microsoft.com/office/drawing/2010/main">
+              <a14:hiddenEffects xmlns:a14="http://schemas.microsoft.com/office/drawing/2010/main" xmlns="">
                 <a:effectLst>
                   <a:outerShdw dist="35921" dir="2700000" algn="ctr" rotWithShape="0">
                     <a:srgbClr val="808080"/>
@@ -12380,7 +12380,7 @@
           </a:ln>
           <a:extLst>
             <a:ext uri="{AF507438-7753-43e0-B8FC-AC1667EBCBE1}">
-              <a14:hiddenEffects xmlns="" xmlns:a14="http://schemas.microsoft.com/office/drawing/2010/main">
+              <a14:hiddenEffects xmlns:a14="http://schemas.microsoft.com/office/drawing/2010/main" xmlns="">
                 <a:effectLst>
                   <a:outerShdw dist="35921" dir="2700000" algn="ctr" rotWithShape="0">
                     <a:srgbClr val="808080"/>
@@ -12414,14 +12414,14 @@
           <a:effectLst/>
           <a:extLst>
             <a:ext uri="{909E8E84-426E-40dd-AFC4-6F175D3DCCD1}">
-              <a14:hiddenFill xmlns="" xmlns:a14="http://schemas.microsoft.com/office/drawing/2010/main">
+              <a14:hiddenFill xmlns:a14="http://schemas.microsoft.com/office/drawing/2010/main" xmlns="">
                 <a:solidFill>
                   <a:srgbClr val="FFFFFF"/>
                 </a:solidFill>
               </a14:hiddenFill>
             </a:ext>
             <a:ext uri="{91240B29-F687-4f45-9708-019B960494DF}">
-              <a14:hiddenLine xmlns="" xmlns:a14="http://schemas.microsoft.com/office/drawing/2010/main" w="9525" cap="flat">
+              <a14:hiddenLine xmlns:a14="http://schemas.microsoft.com/office/drawing/2010/main" xmlns="" w="9525" cap="flat">
                 <a:solidFill>
                   <a:srgbClr val="3465A4"/>
                 </a:solidFill>
@@ -12431,7 +12431,7 @@
               </a14:hiddenLine>
             </a:ext>
             <a:ext uri="{AF507438-7753-43e0-B8FC-AC1667EBCBE1}">
-              <a14:hiddenEffects xmlns="" xmlns:a14="http://schemas.microsoft.com/office/drawing/2010/main">
+              <a14:hiddenEffects xmlns:a14="http://schemas.microsoft.com/office/drawing/2010/main" xmlns="">
                 <a:effectLst>
                   <a:outerShdw dist="35921" dir="2700000" algn="ctr" rotWithShape="0">
                     <a:srgbClr val="808080"/>
@@ -12536,14 +12536,14 @@
           <a:effectLst/>
           <a:extLst>
             <a:ext uri="{909E8E84-426E-40dd-AFC4-6F175D3DCCD1}">
-              <a14:hiddenFill xmlns="" xmlns:a14="http://schemas.microsoft.com/office/drawing/2010/main">
+              <a14:hiddenFill xmlns:a14="http://schemas.microsoft.com/office/drawing/2010/main" xmlns="">
                 <a:solidFill>
                   <a:srgbClr val="FFFFFF"/>
                 </a:solidFill>
               </a14:hiddenFill>
             </a:ext>
             <a:ext uri="{91240B29-F687-4f45-9708-019B960494DF}">
-              <a14:hiddenLine xmlns="" xmlns:a14="http://schemas.microsoft.com/office/drawing/2010/main" w="9525" cap="flat">
+              <a14:hiddenLine xmlns:a14="http://schemas.microsoft.com/office/drawing/2010/main" xmlns="" w="9525" cap="flat">
                 <a:solidFill>
                   <a:srgbClr val="3465A4"/>
                 </a:solidFill>
@@ -12553,7 +12553,7 @@
               </a14:hiddenLine>
             </a:ext>
             <a:ext uri="{AF507438-7753-43e0-B8FC-AC1667EBCBE1}">
-              <a14:hiddenEffects xmlns="" xmlns:a14="http://schemas.microsoft.com/office/drawing/2010/main">
+              <a14:hiddenEffects xmlns:a14="http://schemas.microsoft.com/office/drawing/2010/main" xmlns="">
                 <a:effectLst>
                   <a:outerShdw dist="35921" dir="2700000" algn="ctr" rotWithShape="0">
                     <a:srgbClr val="808080"/>
@@ -12966,14 +12966,14 @@
           <a:effectLst/>
           <a:extLst>
             <a:ext uri="{909E8E84-426E-40dd-AFC4-6F175D3DCCD1}">
-              <a14:hiddenFill xmlns="" xmlns:a14="http://schemas.microsoft.com/office/drawing/2010/main">
+              <a14:hiddenFill xmlns:a14="http://schemas.microsoft.com/office/drawing/2010/main" xmlns="">
                 <a:solidFill>
                   <a:srgbClr val="FFFFFF"/>
                 </a:solidFill>
               </a14:hiddenFill>
             </a:ext>
             <a:ext uri="{91240B29-F687-4f45-9708-019B960494DF}">
-              <a14:hiddenLine xmlns="" xmlns:a14="http://schemas.microsoft.com/office/drawing/2010/main" w="9525" cap="flat">
+              <a14:hiddenLine xmlns:a14="http://schemas.microsoft.com/office/drawing/2010/main" xmlns="" w="9525" cap="flat">
                 <a:solidFill>
                   <a:srgbClr val="3465A4"/>
                 </a:solidFill>
@@ -12983,7 +12983,7 @@
               </a14:hiddenLine>
             </a:ext>
             <a:ext uri="{AF507438-7753-43e0-B8FC-AC1667EBCBE1}">
-              <a14:hiddenEffects xmlns="" xmlns:a14="http://schemas.microsoft.com/office/drawing/2010/main">
+              <a14:hiddenEffects xmlns:a14="http://schemas.microsoft.com/office/drawing/2010/main" xmlns="">
                 <a:effectLst>
                   <a:outerShdw dist="35921" dir="2700000" algn="ctr" rotWithShape="0">
                     <a:srgbClr val="808080"/>
@@ -13404,7 +13404,7 @@
           </a:ln>
           <a:extLst>
             <a:ext uri="{AF507438-7753-43e0-B8FC-AC1667EBCBE1}">
-              <a14:hiddenEffects xmlns="" xmlns:a14="http://schemas.microsoft.com/office/drawing/2010/main">
+              <a14:hiddenEffects xmlns:a14="http://schemas.microsoft.com/office/drawing/2010/main" xmlns="">
                 <a:effectLst>
                   <a:outerShdw dist="35921" dir="2700000" algn="ctr" rotWithShape="0">
                     <a:srgbClr val="808080"/>
@@ -13438,14 +13438,14 @@
           <a:effectLst/>
           <a:extLst>
             <a:ext uri="{909E8E84-426E-40dd-AFC4-6F175D3DCCD1}">
-              <a14:hiddenFill xmlns="" xmlns:a14="http://schemas.microsoft.com/office/drawing/2010/main">
+              <a14:hiddenFill xmlns:a14="http://schemas.microsoft.com/office/drawing/2010/main" xmlns="">
                 <a:solidFill>
                   <a:srgbClr val="FFFFFF"/>
                 </a:solidFill>
               </a14:hiddenFill>
             </a:ext>
             <a:ext uri="{91240B29-F687-4f45-9708-019B960494DF}">
-              <a14:hiddenLine xmlns="" xmlns:a14="http://schemas.microsoft.com/office/drawing/2010/main" w="9525" cap="flat">
+              <a14:hiddenLine xmlns:a14="http://schemas.microsoft.com/office/drawing/2010/main" xmlns="" w="9525" cap="flat">
                 <a:solidFill>
                   <a:srgbClr val="3465A4"/>
                 </a:solidFill>
@@ -13455,7 +13455,7 @@
               </a14:hiddenLine>
             </a:ext>
             <a:ext uri="{AF507438-7753-43e0-B8FC-AC1667EBCBE1}">
-              <a14:hiddenEffects xmlns="" xmlns:a14="http://schemas.microsoft.com/office/drawing/2010/main">
+              <a14:hiddenEffects xmlns:a14="http://schemas.microsoft.com/office/drawing/2010/main" xmlns="">
                 <a:effectLst>
                   <a:outerShdw dist="35921" dir="2700000" algn="ctr" rotWithShape="0">
                     <a:srgbClr val="808080"/>
@@ -13560,14 +13560,14 @@
           <a:effectLst/>
           <a:extLst>
             <a:ext uri="{909E8E84-426E-40dd-AFC4-6F175D3DCCD1}">
-              <a14:hiddenFill xmlns="" xmlns:a14="http://schemas.microsoft.com/office/drawing/2010/main">
+              <a14:hiddenFill xmlns:a14="http://schemas.microsoft.com/office/drawing/2010/main" xmlns="">
                 <a:solidFill>
                   <a:srgbClr val="FFFFFF"/>
                 </a:solidFill>
               </a14:hiddenFill>
             </a:ext>
             <a:ext uri="{91240B29-F687-4f45-9708-019B960494DF}">
-              <a14:hiddenLine xmlns="" xmlns:a14="http://schemas.microsoft.com/office/drawing/2010/main" w="9525" cap="flat">
+              <a14:hiddenLine xmlns:a14="http://schemas.microsoft.com/office/drawing/2010/main" xmlns="" w="9525" cap="flat">
                 <a:solidFill>
                   <a:srgbClr val="3465A4"/>
                 </a:solidFill>
@@ -13577,7 +13577,7 @@
               </a14:hiddenLine>
             </a:ext>
             <a:ext uri="{AF507438-7753-43e0-B8FC-AC1667EBCBE1}">
-              <a14:hiddenEffects xmlns="" xmlns:a14="http://schemas.microsoft.com/office/drawing/2010/main">
+              <a14:hiddenEffects xmlns:a14="http://schemas.microsoft.com/office/drawing/2010/main" xmlns="">
                 <a:effectLst>
                   <a:outerShdw dist="35921" dir="2700000" algn="ctr" rotWithShape="0">
                     <a:srgbClr val="808080"/>
@@ -13990,14 +13990,14 @@
           <a:effectLst/>
           <a:extLst>
             <a:ext uri="{909E8E84-426E-40dd-AFC4-6F175D3DCCD1}">
-              <a14:hiddenFill xmlns="" xmlns:a14="http://schemas.microsoft.com/office/drawing/2010/main">
+              <a14:hiddenFill xmlns:a14="http://schemas.microsoft.com/office/drawing/2010/main" xmlns="">
                 <a:solidFill>
                   <a:srgbClr val="FFFFFF"/>
                 </a:solidFill>
               </a14:hiddenFill>
             </a:ext>
             <a:ext uri="{91240B29-F687-4f45-9708-019B960494DF}">
-              <a14:hiddenLine xmlns="" xmlns:a14="http://schemas.microsoft.com/office/drawing/2010/main" w="9525" cap="flat">
+              <a14:hiddenLine xmlns:a14="http://schemas.microsoft.com/office/drawing/2010/main" xmlns="" w="9525" cap="flat">
                 <a:solidFill>
                   <a:srgbClr val="3465A4"/>
                 </a:solidFill>
@@ -14007,7 +14007,7 @@
               </a14:hiddenLine>
             </a:ext>
             <a:ext uri="{AF507438-7753-43e0-B8FC-AC1667EBCBE1}">
-              <a14:hiddenEffects xmlns="" xmlns:a14="http://schemas.microsoft.com/office/drawing/2010/main">
+              <a14:hiddenEffects xmlns:a14="http://schemas.microsoft.com/office/drawing/2010/main" xmlns="">
                 <a:effectLst>
                   <a:outerShdw dist="35921" dir="2700000" algn="ctr" rotWithShape="0">
                     <a:srgbClr val="808080"/>
@@ -14428,7 +14428,7 @@
           </a:ln>
           <a:extLst>
             <a:ext uri="{AF507438-7753-43e0-B8FC-AC1667EBCBE1}">
-              <a14:hiddenEffects xmlns="" xmlns:a14="http://schemas.microsoft.com/office/drawing/2010/main">
+              <a14:hiddenEffects xmlns:a14="http://schemas.microsoft.com/office/drawing/2010/main" xmlns="">
                 <a:effectLst>
                   <a:outerShdw dist="35921" dir="2700000" algn="ctr" rotWithShape="0">
                     <a:srgbClr val="808080"/>
@@ -14462,14 +14462,14 @@
           <a:effectLst/>
           <a:extLst>
             <a:ext uri="{909E8E84-426E-40dd-AFC4-6F175D3DCCD1}">
-              <a14:hiddenFill xmlns="" xmlns:a14="http://schemas.microsoft.com/office/drawing/2010/main">
+              <a14:hiddenFill xmlns:a14="http://schemas.microsoft.com/office/drawing/2010/main" xmlns="">
                 <a:solidFill>
                   <a:srgbClr val="FFFFFF"/>
                 </a:solidFill>
               </a14:hiddenFill>
             </a:ext>
             <a:ext uri="{91240B29-F687-4f45-9708-019B960494DF}">
-              <a14:hiddenLine xmlns="" xmlns:a14="http://schemas.microsoft.com/office/drawing/2010/main" w="9525" cap="flat">
+              <a14:hiddenLine xmlns:a14="http://schemas.microsoft.com/office/drawing/2010/main" xmlns="" w="9525" cap="flat">
                 <a:solidFill>
                   <a:srgbClr val="3465A4"/>
                 </a:solidFill>
@@ -14479,7 +14479,7 @@
               </a14:hiddenLine>
             </a:ext>
             <a:ext uri="{AF507438-7753-43e0-B8FC-AC1667EBCBE1}">
-              <a14:hiddenEffects xmlns="" xmlns:a14="http://schemas.microsoft.com/office/drawing/2010/main">
+              <a14:hiddenEffects xmlns:a14="http://schemas.microsoft.com/office/drawing/2010/main" xmlns="">
                 <a:effectLst>
                   <a:outerShdw dist="35921" dir="2700000" algn="ctr" rotWithShape="0">
                     <a:srgbClr val="808080"/>
@@ -14584,14 +14584,14 @@
           <a:effectLst/>
           <a:extLst>
             <a:ext uri="{909E8E84-426E-40dd-AFC4-6F175D3DCCD1}">
-              <a14:hiddenFill xmlns="" xmlns:a14="http://schemas.microsoft.com/office/drawing/2010/main">
+              <a14:hiddenFill xmlns:a14="http://schemas.microsoft.com/office/drawing/2010/main" xmlns="">
                 <a:solidFill>
                   <a:srgbClr val="FFFFFF"/>
                 </a:solidFill>
               </a14:hiddenFill>
             </a:ext>
             <a:ext uri="{91240B29-F687-4f45-9708-019B960494DF}">
-              <a14:hiddenLine xmlns="" xmlns:a14="http://schemas.microsoft.com/office/drawing/2010/main" w="9525" cap="flat">
+              <a14:hiddenLine xmlns:a14="http://schemas.microsoft.com/office/drawing/2010/main" xmlns="" w="9525" cap="flat">
                 <a:solidFill>
                   <a:srgbClr val="3465A4"/>
                 </a:solidFill>
@@ -14601,7 +14601,7 @@
               </a14:hiddenLine>
             </a:ext>
             <a:ext uri="{AF507438-7753-43e0-B8FC-AC1667EBCBE1}">
-              <a14:hiddenEffects xmlns="" xmlns:a14="http://schemas.microsoft.com/office/drawing/2010/main">
+              <a14:hiddenEffects xmlns:a14="http://schemas.microsoft.com/office/drawing/2010/main" xmlns="">
                 <a:effectLst>
                   <a:outerShdw dist="35921" dir="2700000" algn="ctr" rotWithShape="0">
                     <a:srgbClr val="808080"/>
@@ -15022,7 +15022,7 @@
           </a:ln>
           <a:extLst>
             <a:ext uri="{AF507438-7753-43e0-B8FC-AC1667EBCBE1}">
-              <a14:hiddenEffects xmlns="" xmlns:a14="http://schemas.microsoft.com/office/drawing/2010/main">
+              <a14:hiddenEffects xmlns:a14="http://schemas.microsoft.com/office/drawing/2010/main" xmlns="">
                 <a:effectLst>
                   <a:outerShdw dist="35921" dir="2700000" algn="ctr" rotWithShape="0">
                     <a:srgbClr val="808080"/>
@@ -15056,14 +15056,14 @@
           <a:effectLst/>
           <a:extLst>
             <a:ext uri="{909E8E84-426E-40dd-AFC4-6F175D3DCCD1}">
-              <a14:hiddenFill xmlns="" xmlns:a14="http://schemas.microsoft.com/office/drawing/2010/main">
+              <a14:hiddenFill xmlns:a14="http://schemas.microsoft.com/office/drawing/2010/main" xmlns="">
                 <a:solidFill>
                   <a:srgbClr val="FFFFFF"/>
                 </a:solidFill>
               </a14:hiddenFill>
             </a:ext>
             <a:ext uri="{91240B29-F687-4f45-9708-019B960494DF}">
-              <a14:hiddenLine xmlns="" xmlns:a14="http://schemas.microsoft.com/office/drawing/2010/main" w="9525" cap="flat">
+              <a14:hiddenLine xmlns:a14="http://schemas.microsoft.com/office/drawing/2010/main" xmlns="" w="9525" cap="flat">
                 <a:solidFill>
                   <a:srgbClr val="3465A4"/>
                 </a:solidFill>
@@ -15073,7 +15073,7 @@
               </a14:hiddenLine>
             </a:ext>
             <a:ext uri="{AF507438-7753-43e0-B8FC-AC1667EBCBE1}">
-              <a14:hiddenEffects xmlns="" xmlns:a14="http://schemas.microsoft.com/office/drawing/2010/main">
+              <a14:hiddenEffects xmlns:a14="http://schemas.microsoft.com/office/drawing/2010/main" xmlns="">
                 <a:effectLst>
                   <a:outerShdw dist="35921" dir="2700000" algn="ctr" rotWithShape="0">
                     <a:srgbClr val="808080"/>
@@ -15178,14 +15178,14 @@
           <a:effectLst/>
           <a:extLst>
             <a:ext uri="{909E8E84-426E-40dd-AFC4-6F175D3DCCD1}">
-              <a14:hiddenFill xmlns="" xmlns:a14="http://schemas.microsoft.com/office/drawing/2010/main">
+              <a14:hiddenFill xmlns:a14="http://schemas.microsoft.com/office/drawing/2010/main" xmlns="">
                 <a:solidFill>
                   <a:srgbClr val="FFFFFF"/>
                 </a:solidFill>
               </a14:hiddenFill>
             </a:ext>
             <a:ext uri="{91240B29-F687-4f45-9708-019B960494DF}">
-              <a14:hiddenLine xmlns="" xmlns:a14="http://schemas.microsoft.com/office/drawing/2010/main" w="9525" cap="flat">
+              <a14:hiddenLine xmlns:a14="http://schemas.microsoft.com/office/drawing/2010/main" xmlns="" w="9525" cap="flat">
                 <a:solidFill>
                   <a:srgbClr val="3465A4"/>
                 </a:solidFill>
@@ -15195,7 +15195,7 @@
               </a14:hiddenLine>
             </a:ext>
             <a:ext uri="{AF507438-7753-43e0-B8FC-AC1667EBCBE1}">
-              <a14:hiddenEffects xmlns="" xmlns:a14="http://schemas.microsoft.com/office/drawing/2010/main">
+              <a14:hiddenEffects xmlns:a14="http://schemas.microsoft.com/office/drawing/2010/main" xmlns="">
                 <a:effectLst>
                   <a:outerShdw dist="35921" dir="2700000" algn="ctr" rotWithShape="0">
                     <a:srgbClr val="808080"/>
@@ -15608,14 +15608,14 @@
           <a:effectLst/>
           <a:extLst>
             <a:ext uri="{909E8E84-426E-40dd-AFC4-6F175D3DCCD1}">
-              <a14:hiddenFill xmlns="" xmlns:a14="http://schemas.microsoft.com/office/drawing/2010/main">
+              <a14:hiddenFill xmlns:a14="http://schemas.microsoft.com/office/drawing/2010/main" xmlns="">
                 <a:solidFill>
                   <a:srgbClr val="FFFFFF"/>
                 </a:solidFill>
               </a14:hiddenFill>
             </a:ext>
             <a:ext uri="{91240B29-F687-4f45-9708-019B960494DF}">
-              <a14:hiddenLine xmlns="" xmlns:a14="http://schemas.microsoft.com/office/drawing/2010/main" w="9525" cap="flat">
+              <a14:hiddenLine xmlns:a14="http://schemas.microsoft.com/office/drawing/2010/main" xmlns="" w="9525" cap="flat">
                 <a:solidFill>
                   <a:srgbClr val="3465A4"/>
                 </a:solidFill>
@@ -15625,7 +15625,7 @@
               </a14:hiddenLine>
             </a:ext>
             <a:ext uri="{AF507438-7753-43e0-B8FC-AC1667EBCBE1}">
-              <a14:hiddenEffects xmlns="" xmlns:a14="http://schemas.microsoft.com/office/drawing/2010/main">
+              <a14:hiddenEffects xmlns:a14="http://schemas.microsoft.com/office/drawing/2010/main" xmlns="">
                 <a:effectLst>
                   <a:outerShdw dist="35921" dir="2700000" algn="ctr" rotWithShape="0">
                     <a:srgbClr val="808080"/>
@@ -16046,7 +16046,7 @@
           </a:ln>
           <a:extLst>
             <a:ext uri="{AF507438-7753-43e0-B8FC-AC1667EBCBE1}">
-              <a14:hiddenEffects xmlns="" xmlns:a14="http://schemas.microsoft.com/office/drawing/2010/main">
+              <a14:hiddenEffects xmlns:a14="http://schemas.microsoft.com/office/drawing/2010/main" xmlns="">
                 <a:effectLst>
                   <a:outerShdw dist="35921" dir="2700000" algn="ctr" rotWithShape="0">
                     <a:srgbClr val="808080"/>
@@ -16080,14 +16080,14 @@
           <a:effectLst/>
           <a:extLst>
             <a:ext uri="{909E8E84-426E-40dd-AFC4-6F175D3DCCD1}">
-              <a14:hiddenFill xmlns="" xmlns:a14="http://schemas.microsoft.com/office/drawing/2010/main">
+              <a14:hiddenFill xmlns:a14="http://schemas.microsoft.com/office/drawing/2010/main" xmlns="">
                 <a:solidFill>
                   <a:srgbClr val="FFFFFF"/>
                 </a:solidFill>
               </a14:hiddenFill>
             </a:ext>
             <a:ext uri="{91240B29-F687-4f45-9708-019B960494DF}">
-              <a14:hiddenLine xmlns="" xmlns:a14="http://schemas.microsoft.com/office/drawing/2010/main" w="9525" cap="flat">
+              <a14:hiddenLine xmlns:a14="http://schemas.microsoft.com/office/drawing/2010/main" xmlns="" w="9525" cap="flat">
                 <a:solidFill>
                   <a:srgbClr val="3465A4"/>
                 </a:solidFill>
@@ -16097,7 +16097,7 @@
               </a14:hiddenLine>
             </a:ext>
             <a:ext uri="{AF507438-7753-43e0-B8FC-AC1667EBCBE1}">
-              <a14:hiddenEffects xmlns="" xmlns:a14="http://schemas.microsoft.com/office/drawing/2010/main">
+              <a14:hiddenEffects xmlns:a14="http://schemas.microsoft.com/office/drawing/2010/main" xmlns="">
                 <a:effectLst>
                   <a:outerShdw dist="35921" dir="2700000" algn="ctr" rotWithShape="0">
                     <a:srgbClr val="808080"/>
@@ -16931,7 +16931,7 @@
           <a:p>
             <a:fld id="{C69676BF-F3B4-4F1F-9E3D-D646A356A611}" type="datetime1">
               <a:rPr lang="en-CA" smtClean="0"/>
-              <a:t>2018-09-11</a:t>
+              <a:t>2018-09-13</a:t>
             </a:fld>
             <a:endParaRPr lang="en-CA"/>
           </a:p>
@@ -17175,7 +17175,7 @@
           <a:p>
             <a:fld id="{C192A4B6-6DBC-44F4-B8EC-A53D0C278ACC}" type="datetime1">
               <a:rPr lang="en-CA" smtClean="0"/>
-              <a:t>2018-09-11</a:t>
+              <a:t>2018-09-13</a:t>
             </a:fld>
             <a:endParaRPr lang="en-CA"/>
           </a:p>
@@ -17482,7 +17482,7 @@
           <a:p>
             <a:fld id="{10B0F99E-B943-48CF-BF46-E2961CCBCCAD}" type="datetime1">
               <a:rPr lang="en-CA" smtClean="0"/>
-              <a:t>2018-09-11</a:t>
+              <a:t>2018-09-13</a:t>
             </a:fld>
             <a:endParaRPr lang="en-CA"/>
           </a:p>
@@ -17808,7 +17808,7 @@
           <a:p>
             <a:fld id="{7FA06BE8-D0C8-4607-A167-14CE27BB7F97}" type="datetime1">
               <a:rPr lang="en-CA" smtClean="0"/>
-              <a:t>2018-09-11</a:t>
+              <a:t>2018-09-13</a:t>
             </a:fld>
             <a:endParaRPr lang="en-CA"/>
           </a:p>
@@ -18115,7 +18115,7 @@
           <a:p>
             <a:fld id="{1541959C-0CCB-4A92-927B-334B000E5251}" type="datetime1">
               <a:rPr lang="en-CA" smtClean="0"/>
-              <a:t>2018-09-11</a:t>
+              <a:t>2018-09-13</a:t>
             </a:fld>
             <a:endParaRPr lang="en-CA"/>
           </a:p>
@@ -18501,7 +18501,7 @@
           <a:p>
             <a:fld id="{AD35613B-8912-4A23-AEC0-163516D31E76}" type="datetime1">
               <a:rPr lang="en-CA" smtClean="0"/>
-              <a:t>2018-09-11</a:t>
+              <a:t>2018-09-13</a:t>
             </a:fld>
             <a:endParaRPr lang="en-CA"/>
           </a:p>
@@ -18664,7 +18664,7 @@
           <a:p>
             <a:fld id="{BF1DB6FF-3E2E-48F3-B8FC-B01084E79542}" type="datetime1">
               <a:rPr lang="en-CA" smtClean="0"/>
-              <a:t>2018-09-11</a:t>
+              <a:t>2018-09-13</a:t>
             </a:fld>
             <a:endParaRPr lang="en-CA"/>
           </a:p>
@@ -18837,7 +18837,7 @@
           <a:p>
             <a:fld id="{0EC52495-26B9-4774-8256-C2955B6034EB}" type="datetime1">
               <a:rPr lang="en-CA" smtClean="0"/>
-              <a:t>2018-09-11</a:t>
+              <a:t>2018-09-13</a:t>
             </a:fld>
             <a:endParaRPr lang="en-CA"/>
           </a:p>
@@ -19196,7 +19196,7 @@
           <a:p>
             <a:fld id="{53BD1976-9B85-4F3F-B37B-02A5686F7CAE}" type="datetime1">
               <a:rPr lang="en-CA" smtClean="0"/>
-              <a:t>2018-09-11</a:t>
+              <a:t>2018-09-13</a:t>
             </a:fld>
             <a:endParaRPr lang="en-CA"/>
           </a:p>
@@ -19486,7 +19486,7 @@
           <a:p>
             <a:fld id="{194E83DF-4124-4EC2-A1CE-6DD9FD79195D}" type="datetime1">
               <a:rPr lang="en-CA" smtClean="0"/>
-              <a:t>2018-09-11</a:t>
+              <a:t>2018-09-13</a:t>
             </a:fld>
             <a:endParaRPr lang="en-CA"/>
           </a:p>
@@ -19858,7 +19858,7 @@
           <a:p>
             <a:fld id="{A0DC0D0B-0DB7-45F2-9550-D65103A9D9A5}" type="datetime1">
               <a:rPr lang="en-CA" smtClean="0"/>
-              <a:t>2018-09-11</a:t>
+              <a:t>2018-09-13</a:t>
             </a:fld>
             <a:endParaRPr lang="en-CA"/>
           </a:p>
@@ -19974,7 +19974,7 @@
           <a:p>
             <a:fld id="{EF79F6D1-DA2B-4EBB-8159-16E961085069}" type="datetime1">
               <a:rPr lang="en-CA" smtClean="0"/>
-              <a:t>2018-09-11</a:t>
+              <a:t>2018-09-13</a:t>
             </a:fld>
             <a:endParaRPr lang="en-CA"/>
           </a:p>
@@ -20062,7 +20062,7 @@
           <a:p>
             <a:fld id="{1F571942-3E64-43A3-8CB0-EBA7F185D97B}" type="datetime1">
               <a:rPr lang="en-CA" smtClean="0"/>
-              <a:t>2018-09-11</a:t>
+              <a:t>2018-09-13</a:t>
             </a:fld>
             <a:endParaRPr lang="en-CA"/>
           </a:p>
@@ -20310,7 +20310,7 @@
           <a:p>
             <a:fld id="{AFC4D572-E0EF-455A-96BC-D7D0FD8DB9D3}" type="datetime1">
               <a:rPr lang="en-CA" smtClean="0"/>
-              <a:t>2018-09-11</a:t>
+              <a:t>2018-09-13</a:t>
             </a:fld>
             <a:endParaRPr lang="en-CA"/>
           </a:p>
@@ -20566,7 +20566,7 @@
           <a:p>
             <a:fld id="{7C8DB900-8A1B-4540-939C-8F8E3688956A}" type="datetime1">
               <a:rPr lang="en-CA" smtClean="0"/>
-              <a:t>2018-09-11</a:t>
+              <a:t>2018-09-13</a:t>
             </a:fld>
             <a:endParaRPr lang="en-CA"/>
           </a:p>
@@ -23023,14 +23023,14 @@
           <a:effectLst/>
           <a:extLst>
             <a:ext uri="{909E8E84-426E-40dd-AFC4-6F175D3DCCD1}">
-              <a14:hiddenFill xmlns="" xmlns:a14="http://schemas.microsoft.com/office/drawing/2010/main">
+              <a14:hiddenFill xmlns:a14="http://schemas.microsoft.com/office/drawing/2010/main" xmlns="">
                 <a:solidFill>
                   <a:srgbClr val="FFFFFF"/>
                 </a:solidFill>
               </a14:hiddenFill>
             </a:ext>
             <a:ext uri="{91240B29-F687-4f45-9708-019B960494DF}">
-              <a14:hiddenLine xmlns="" xmlns:a14="http://schemas.microsoft.com/office/drawing/2010/main" w="9525" cap="flat">
+              <a14:hiddenLine xmlns:a14="http://schemas.microsoft.com/office/drawing/2010/main" xmlns="" w="9525" cap="flat">
                 <a:solidFill>
                   <a:srgbClr val="3465A4"/>
                 </a:solidFill>
@@ -23040,7 +23040,7 @@
               </a14:hiddenLine>
             </a:ext>
             <a:ext uri="{AF507438-7753-43e0-B8FC-AC1667EBCBE1}">
-              <a14:hiddenEffects xmlns="" xmlns:a14="http://schemas.microsoft.com/office/drawing/2010/main">
+              <a14:hiddenEffects xmlns:a14="http://schemas.microsoft.com/office/drawing/2010/main" xmlns="">
                 <a:effectLst>
                   <a:outerShdw dist="35921" dir="2700000" algn="ctr" rotWithShape="0">
                     <a:srgbClr val="808080"/>
@@ -23676,14 +23676,14 @@
           <a:effectLst/>
           <a:extLst>
             <a:ext uri="{909E8E84-426E-40dd-AFC4-6F175D3DCCD1}">
-              <a14:hiddenFill xmlns="" xmlns:a14="http://schemas.microsoft.com/office/drawing/2010/main">
+              <a14:hiddenFill xmlns:a14="http://schemas.microsoft.com/office/drawing/2010/main" xmlns="">
                 <a:solidFill>
                   <a:srgbClr val="FFFFFF"/>
                 </a:solidFill>
               </a14:hiddenFill>
             </a:ext>
             <a:ext uri="{91240B29-F687-4f45-9708-019B960494DF}">
-              <a14:hiddenLine xmlns="" xmlns:a14="http://schemas.microsoft.com/office/drawing/2010/main" w="9525" cap="flat">
+              <a14:hiddenLine xmlns:a14="http://schemas.microsoft.com/office/drawing/2010/main" xmlns="" w="9525" cap="flat">
                 <a:solidFill>
                   <a:srgbClr val="3465A4"/>
                 </a:solidFill>
@@ -23693,7 +23693,7 @@
               </a14:hiddenLine>
             </a:ext>
             <a:ext uri="{AF507438-7753-43e0-B8FC-AC1667EBCBE1}">
-              <a14:hiddenEffects xmlns="" xmlns:a14="http://schemas.microsoft.com/office/drawing/2010/main">
+              <a14:hiddenEffects xmlns:a14="http://schemas.microsoft.com/office/drawing/2010/main" xmlns="">
                 <a:effectLst>
                   <a:outerShdw dist="35921" dir="2700000" algn="ctr" rotWithShape="0">
                     <a:srgbClr val="808080"/>
@@ -24317,14 +24317,14 @@
           <a:effectLst/>
           <a:extLst>
             <a:ext uri="{909E8E84-426E-40dd-AFC4-6F175D3DCCD1}">
-              <a14:hiddenFill xmlns="" xmlns:a14="http://schemas.microsoft.com/office/drawing/2010/main">
+              <a14:hiddenFill xmlns:a14="http://schemas.microsoft.com/office/drawing/2010/main" xmlns="">
                 <a:solidFill>
                   <a:srgbClr val="FFFFFF"/>
                 </a:solidFill>
               </a14:hiddenFill>
             </a:ext>
             <a:ext uri="{91240B29-F687-4f45-9708-019B960494DF}">
-              <a14:hiddenLine xmlns="" xmlns:a14="http://schemas.microsoft.com/office/drawing/2010/main" w="9525" cap="flat">
+              <a14:hiddenLine xmlns:a14="http://schemas.microsoft.com/office/drawing/2010/main" xmlns="" w="9525" cap="flat">
                 <a:solidFill>
                   <a:srgbClr val="3465A4"/>
                 </a:solidFill>
@@ -24334,7 +24334,7 @@
               </a14:hiddenLine>
             </a:ext>
             <a:ext uri="{AF507438-7753-43e0-B8FC-AC1667EBCBE1}">
-              <a14:hiddenEffects xmlns="" xmlns:a14="http://schemas.microsoft.com/office/drawing/2010/main">
+              <a14:hiddenEffects xmlns:a14="http://schemas.microsoft.com/office/drawing/2010/main" xmlns="">
                 <a:effectLst>
                   <a:outerShdw dist="35921" dir="2700000" algn="ctr" rotWithShape="0">
                     <a:srgbClr val="808080"/>
@@ -24812,7 +24812,7 @@
           <a:effectLst/>
           <a:extLst>
             <a:ext uri="{909E8E84-426E-40dd-AFC4-6F175D3DCCD1}">
-              <a14:hiddenFill xmlns="" xmlns:a14="http://schemas.microsoft.com/office/drawing/2010/main">
+              <a14:hiddenFill xmlns:a14="http://schemas.microsoft.com/office/drawing/2010/main" xmlns="">
                 <a:blipFill dpi="0" rotWithShape="0">
                   <a:blip/>
                   <a:srcRect/>
@@ -24823,7 +24823,7 @@
               </a14:hiddenFill>
             </a:ext>
             <a:ext uri="{91240B29-F687-4f45-9708-019B960494DF}">
-              <a14:hiddenLine xmlns="" xmlns:a14="http://schemas.microsoft.com/office/drawing/2010/main" w="9525" cap="flat">
+              <a14:hiddenLine xmlns:a14="http://schemas.microsoft.com/office/drawing/2010/main" xmlns="" w="9525" cap="flat">
                 <a:solidFill>
                   <a:srgbClr val="3465A4"/>
                 </a:solidFill>
@@ -24833,7 +24833,7 @@
               </a14:hiddenLine>
             </a:ext>
             <a:ext uri="{AF507438-7753-43e0-B8FC-AC1667EBCBE1}">
-              <a14:hiddenEffects xmlns="" xmlns:a14="http://schemas.microsoft.com/office/drawing/2010/main">
+              <a14:hiddenEffects xmlns:a14="http://schemas.microsoft.com/office/drawing/2010/main" xmlns="">
                 <a:effectLst>
                   <a:outerShdw dist="35921" dir="2700000" algn="ctr" rotWithShape="0">
                     <a:srgbClr val="808080"/>
@@ -25083,7 +25083,7 @@
           <a:effectLst/>
           <a:extLst>
             <a:ext uri="{909E8E84-426E-40dd-AFC4-6F175D3DCCD1}">
-              <a14:hiddenFill xmlns="" xmlns:a14="http://schemas.microsoft.com/office/drawing/2010/main">
+              <a14:hiddenFill xmlns:a14="http://schemas.microsoft.com/office/drawing/2010/main" xmlns="">
                 <a:blipFill dpi="0" rotWithShape="0">
                   <a:blip/>
                   <a:srcRect/>
@@ -25094,7 +25094,7 @@
               </a14:hiddenFill>
             </a:ext>
             <a:ext uri="{91240B29-F687-4f45-9708-019B960494DF}">
-              <a14:hiddenLine xmlns="" xmlns:a14="http://schemas.microsoft.com/office/drawing/2010/main" w="9525" cap="flat">
+              <a14:hiddenLine xmlns:a14="http://schemas.microsoft.com/office/drawing/2010/main" xmlns="" w="9525" cap="flat">
                 <a:solidFill>
                   <a:srgbClr val="3465A4"/>
                 </a:solidFill>
@@ -25104,7 +25104,7 @@
               </a14:hiddenLine>
             </a:ext>
             <a:ext uri="{AF507438-7753-43e0-B8FC-AC1667EBCBE1}">
-              <a14:hiddenEffects xmlns="" xmlns:a14="http://schemas.microsoft.com/office/drawing/2010/main">
+              <a14:hiddenEffects xmlns:a14="http://schemas.microsoft.com/office/drawing/2010/main" xmlns="">
                 <a:effectLst>
                   <a:outerShdw dist="35921" dir="2700000" algn="ctr" rotWithShape="0">
                     <a:srgbClr val="808080"/>
@@ -25168,14 +25168,14 @@
           <a:effectLst/>
           <a:extLst>
             <a:ext uri="{909E8E84-426E-40dd-AFC4-6F175D3DCCD1}">
-              <a14:hiddenFill xmlns="" xmlns:a14="http://schemas.microsoft.com/office/drawing/2010/main">
+              <a14:hiddenFill xmlns:a14="http://schemas.microsoft.com/office/drawing/2010/main" xmlns="">
                 <a:solidFill>
                   <a:srgbClr val="FFFFFF"/>
                 </a:solidFill>
               </a14:hiddenFill>
             </a:ext>
             <a:ext uri="{91240B29-F687-4f45-9708-019B960494DF}">
-              <a14:hiddenLine xmlns="" xmlns:a14="http://schemas.microsoft.com/office/drawing/2010/main" w="9525" cap="flat">
+              <a14:hiddenLine xmlns:a14="http://schemas.microsoft.com/office/drawing/2010/main" xmlns="" w="9525" cap="flat">
                 <a:solidFill>
                   <a:srgbClr val="3465A4"/>
                 </a:solidFill>
@@ -25185,7 +25185,7 @@
               </a14:hiddenLine>
             </a:ext>
             <a:ext uri="{AF507438-7753-43e0-B8FC-AC1667EBCBE1}">
-              <a14:hiddenEffects xmlns="" xmlns:a14="http://schemas.microsoft.com/office/drawing/2010/main">
+              <a14:hiddenEffects xmlns:a14="http://schemas.microsoft.com/office/drawing/2010/main" xmlns="">
                 <a:effectLst>
                   <a:outerShdw dist="35921" dir="2700000" algn="ctr" rotWithShape="0">
                     <a:srgbClr val="808080"/>
@@ -25806,7 +25806,7 @@
           <a:effectLst/>
           <a:extLst>
             <a:ext uri="{909E8E84-426E-40dd-AFC4-6F175D3DCCD1}">
-              <a14:hiddenFill xmlns="" xmlns:a14="http://schemas.microsoft.com/office/drawing/2010/main">
+              <a14:hiddenFill xmlns:a14="http://schemas.microsoft.com/office/drawing/2010/main" xmlns="">
                 <a:blipFill dpi="0" rotWithShape="0">
                   <a:blip/>
                   <a:srcRect/>
@@ -25817,7 +25817,7 @@
               </a14:hiddenFill>
             </a:ext>
             <a:ext uri="{91240B29-F687-4f45-9708-019B960494DF}">
-              <a14:hiddenLine xmlns="" xmlns:a14="http://schemas.microsoft.com/office/drawing/2010/main" w="9525" cap="flat">
+              <a14:hiddenLine xmlns:a14="http://schemas.microsoft.com/office/drawing/2010/main" xmlns="" w="9525" cap="flat">
                 <a:solidFill>
                   <a:srgbClr val="3465A4"/>
                 </a:solidFill>
@@ -25827,7 +25827,7 @@
               </a14:hiddenLine>
             </a:ext>
             <a:ext uri="{AF507438-7753-43e0-B8FC-AC1667EBCBE1}">
-              <a14:hiddenEffects xmlns="" xmlns:a14="http://schemas.microsoft.com/office/drawing/2010/main">
+              <a14:hiddenEffects xmlns:a14="http://schemas.microsoft.com/office/drawing/2010/main" xmlns="">
                 <a:effectLst>
                   <a:outerShdw dist="35921" dir="2700000" algn="ctr" rotWithShape="0">
                     <a:srgbClr val="808080"/>
@@ -26797,14 +26797,14 @@
           <a:effectLst/>
           <a:extLst>
             <a:ext uri="{909E8E84-426E-40dd-AFC4-6F175D3DCCD1}">
-              <a14:hiddenFill xmlns="" xmlns:a14="http://schemas.microsoft.com/office/drawing/2010/main">
+              <a14:hiddenFill xmlns:a14="http://schemas.microsoft.com/office/drawing/2010/main" xmlns="">
                 <a:solidFill>
                   <a:srgbClr val="FFFFFF"/>
                 </a:solidFill>
               </a14:hiddenFill>
             </a:ext>
             <a:ext uri="{91240B29-F687-4f45-9708-019B960494DF}">
-              <a14:hiddenLine xmlns="" xmlns:a14="http://schemas.microsoft.com/office/drawing/2010/main" w="9525" cap="flat">
+              <a14:hiddenLine xmlns:a14="http://schemas.microsoft.com/office/drawing/2010/main" xmlns="" w="9525" cap="flat">
                 <a:solidFill>
                   <a:srgbClr val="3465A4"/>
                 </a:solidFill>
@@ -26814,7 +26814,7 @@
               </a14:hiddenLine>
             </a:ext>
             <a:ext uri="{AF507438-7753-43e0-B8FC-AC1667EBCBE1}">
-              <a14:hiddenEffects xmlns="" xmlns:a14="http://schemas.microsoft.com/office/drawing/2010/main">
+              <a14:hiddenEffects xmlns:a14="http://schemas.microsoft.com/office/drawing/2010/main" xmlns="">
                 <a:effectLst>
                   <a:outerShdw dist="35921" dir="2700000" algn="ctr" rotWithShape="0">
                     <a:srgbClr val="808080"/>
@@ -27314,14 +27314,6 @@
             <a:pPr lvl="1"/>
             <a:r>
               <a:rPr lang="en-US" altLang="en-US" dirty="0" err="1"/>
-              <a:t>MPI_Finalize</a:t>
-            </a:r>
-            <a:endParaRPr lang="en-US" altLang="en-US" dirty="0"/>
-          </a:p>
-          <a:p>
-            <a:pPr lvl="1"/>
-            <a:r>
-              <a:rPr lang="en-US" altLang="en-US" dirty="0" err="1"/>
               <a:t>MPI_Comm_size</a:t>
             </a:r>
             <a:endParaRPr lang="en-US" altLang="en-US" dirty="0"/>
@@ -27347,6 +27339,14 @@
             <a:r>
               <a:rPr lang="en-US" altLang="en-US" dirty="0" err="1"/>
               <a:t>MPI_Recv</a:t>
+            </a:r>
+            <a:endParaRPr lang="en-US" altLang="en-US" dirty="0"/>
+          </a:p>
+          <a:p>
+            <a:pPr lvl="1"/>
+            <a:r>
+              <a:rPr lang="en-US" altLang="en-US" dirty="0" err="1"/>
+              <a:t>MPI_Finalize</a:t>
             </a:r>
             <a:endParaRPr lang="en-US" altLang="en-US" dirty="0"/>
           </a:p>
@@ -27442,14 +27442,14 @@
           <a:effectLst/>
           <a:extLst>
             <a:ext uri="{909E8E84-426E-40dd-AFC4-6F175D3DCCD1}">
-              <a14:hiddenFill xmlns="" xmlns:a14="http://schemas.microsoft.com/office/drawing/2010/main">
+              <a14:hiddenFill xmlns:a14="http://schemas.microsoft.com/office/drawing/2010/main" xmlns="">
                 <a:solidFill>
                   <a:srgbClr val="FFFFFF"/>
                 </a:solidFill>
               </a14:hiddenFill>
             </a:ext>
             <a:ext uri="{91240B29-F687-4f45-9708-019B960494DF}">
-              <a14:hiddenLine xmlns="" xmlns:a14="http://schemas.microsoft.com/office/drawing/2010/main" w="9525" cap="flat">
+              <a14:hiddenLine xmlns:a14="http://schemas.microsoft.com/office/drawing/2010/main" xmlns="" w="9525" cap="flat">
                 <a:solidFill>
                   <a:srgbClr val="3465A4"/>
                 </a:solidFill>
@@ -27459,7 +27459,7 @@
               </a14:hiddenLine>
             </a:ext>
             <a:ext uri="{AF507438-7753-43e0-B8FC-AC1667EBCBE1}">
-              <a14:hiddenEffects xmlns="" xmlns:a14="http://schemas.microsoft.com/office/drawing/2010/main">
+              <a14:hiddenEffects xmlns:a14="http://schemas.microsoft.com/office/drawing/2010/main" xmlns="">
                 <a:effectLst>
                   <a:outerShdw dist="35921" dir="2700000" algn="ctr" rotWithShape="0">
                     <a:srgbClr val="808080"/>
@@ -28693,14 +28693,14 @@
           <a:effectLst/>
           <a:extLst>
             <a:ext uri="{909E8E84-426E-40dd-AFC4-6F175D3DCCD1}">
-              <a14:hiddenFill xmlns="" xmlns:a14="http://schemas.microsoft.com/office/drawing/2010/main">
+              <a14:hiddenFill xmlns:a14="http://schemas.microsoft.com/office/drawing/2010/main" xmlns="">
                 <a:solidFill>
                   <a:srgbClr val="FFFFFF"/>
                 </a:solidFill>
               </a14:hiddenFill>
             </a:ext>
             <a:ext uri="{91240B29-F687-4f45-9708-019B960494DF}">
-              <a14:hiddenLine xmlns="" xmlns:a14="http://schemas.microsoft.com/office/drawing/2010/main" w="9525" cap="flat">
+              <a14:hiddenLine xmlns:a14="http://schemas.microsoft.com/office/drawing/2010/main" xmlns="" w="9525" cap="flat">
                 <a:solidFill>
                   <a:srgbClr val="3465A4"/>
                 </a:solidFill>
@@ -28710,7 +28710,7 @@
               </a14:hiddenLine>
             </a:ext>
             <a:ext uri="{AF507438-7753-43e0-B8FC-AC1667EBCBE1}">
-              <a14:hiddenEffects xmlns="" xmlns:a14="http://schemas.microsoft.com/office/drawing/2010/main">
+              <a14:hiddenEffects xmlns:a14="http://schemas.microsoft.com/office/drawing/2010/main" xmlns="">
                 <a:effectLst>
                   <a:outerShdw dist="35921" dir="2700000" algn="ctr" rotWithShape="0">
                     <a:srgbClr val="808080"/>
@@ -29804,14 +29804,14 @@
           <a:effectLst/>
           <a:extLst>
             <a:ext uri="{909E8E84-426E-40dd-AFC4-6F175D3DCCD1}">
-              <a14:hiddenFill xmlns="" xmlns:a14="http://schemas.microsoft.com/office/drawing/2010/main">
+              <a14:hiddenFill xmlns:a14="http://schemas.microsoft.com/office/drawing/2010/main" xmlns="">
                 <a:solidFill>
                   <a:srgbClr val="FFFFFF"/>
                 </a:solidFill>
               </a14:hiddenFill>
             </a:ext>
             <a:ext uri="{91240B29-F687-4f45-9708-019B960494DF}">
-              <a14:hiddenLine xmlns="" xmlns:a14="http://schemas.microsoft.com/office/drawing/2010/main" w="9525" cap="flat">
+              <a14:hiddenLine xmlns:a14="http://schemas.microsoft.com/office/drawing/2010/main" xmlns="" w="9525" cap="flat">
                 <a:solidFill>
                   <a:srgbClr val="3465A4"/>
                 </a:solidFill>
@@ -29821,7 +29821,7 @@
               </a14:hiddenLine>
             </a:ext>
             <a:ext uri="{AF507438-7753-43e0-B8FC-AC1667EBCBE1}">
-              <a14:hiddenEffects xmlns="" xmlns:a14="http://schemas.microsoft.com/office/drawing/2010/main">
+              <a14:hiddenEffects xmlns:a14="http://schemas.microsoft.com/office/drawing/2010/main" xmlns="">
                 <a:effectLst>
                   <a:outerShdw dist="35921" dir="2700000" algn="ctr" rotWithShape="0">
                     <a:srgbClr val="808080"/>
@@ -30788,14 +30788,14 @@
           <a:effectLst/>
           <a:extLst>
             <a:ext uri="{909E8E84-426E-40dd-AFC4-6F175D3DCCD1}">
-              <a14:hiddenFill xmlns="" xmlns:a14="http://schemas.microsoft.com/office/drawing/2010/main">
+              <a14:hiddenFill xmlns:a14="http://schemas.microsoft.com/office/drawing/2010/main" xmlns="">
                 <a:solidFill>
                   <a:srgbClr val="FFFFFF"/>
                 </a:solidFill>
               </a14:hiddenFill>
             </a:ext>
             <a:ext uri="{91240B29-F687-4f45-9708-019B960494DF}">
-              <a14:hiddenLine xmlns="" xmlns:a14="http://schemas.microsoft.com/office/drawing/2010/main" w="9525" cap="flat">
+              <a14:hiddenLine xmlns:a14="http://schemas.microsoft.com/office/drawing/2010/main" xmlns="" w="9525" cap="flat">
                 <a:solidFill>
                   <a:srgbClr val="3465A4"/>
                 </a:solidFill>
@@ -30805,7 +30805,7 @@
               </a14:hiddenLine>
             </a:ext>
             <a:ext uri="{AF507438-7753-43e0-B8FC-AC1667EBCBE1}">
-              <a14:hiddenEffects xmlns="" xmlns:a14="http://schemas.microsoft.com/office/drawing/2010/main">
+              <a14:hiddenEffects xmlns:a14="http://schemas.microsoft.com/office/drawing/2010/main" xmlns="">
                 <a:effectLst>
                   <a:outerShdw dist="35921" dir="2700000" algn="ctr" rotWithShape="0">
                     <a:srgbClr val="808080"/>
@@ -31397,14 +31397,14 @@
           <a:effectLst/>
           <a:extLst>
             <a:ext uri="{909E8E84-426E-40dd-AFC4-6F175D3DCCD1}">
-              <a14:hiddenFill xmlns="" xmlns:a14="http://schemas.microsoft.com/office/drawing/2010/main">
+              <a14:hiddenFill xmlns:a14="http://schemas.microsoft.com/office/drawing/2010/main" xmlns="">
                 <a:solidFill>
                   <a:srgbClr val="FFFFFF"/>
                 </a:solidFill>
               </a14:hiddenFill>
             </a:ext>
             <a:ext uri="{91240B29-F687-4f45-9708-019B960494DF}">
-              <a14:hiddenLine xmlns="" xmlns:a14="http://schemas.microsoft.com/office/drawing/2010/main" w="9525" cap="flat">
+              <a14:hiddenLine xmlns:a14="http://schemas.microsoft.com/office/drawing/2010/main" xmlns="" w="9525" cap="flat">
                 <a:solidFill>
                   <a:srgbClr val="3465A4"/>
                 </a:solidFill>
@@ -31414,7 +31414,7 @@
               </a14:hiddenLine>
             </a:ext>
             <a:ext uri="{AF507438-7753-43e0-B8FC-AC1667EBCBE1}">
-              <a14:hiddenEffects xmlns="" xmlns:a14="http://schemas.microsoft.com/office/drawing/2010/main">
+              <a14:hiddenEffects xmlns:a14="http://schemas.microsoft.com/office/drawing/2010/main" xmlns="">
                 <a:effectLst>
                   <a:outerShdw dist="35921" dir="2700000" algn="ctr" rotWithShape="0">
                     <a:srgbClr val="808080"/>
@@ -32073,14 +32073,14 @@
           <a:effectLst/>
           <a:extLst>
             <a:ext uri="{909E8E84-426E-40dd-AFC4-6F175D3DCCD1}">
-              <a14:hiddenFill xmlns="" xmlns:a14="http://schemas.microsoft.com/office/drawing/2010/main">
+              <a14:hiddenFill xmlns:a14="http://schemas.microsoft.com/office/drawing/2010/main" xmlns="">
                 <a:solidFill>
                   <a:srgbClr val="FFFFFF"/>
                 </a:solidFill>
               </a14:hiddenFill>
             </a:ext>
             <a:ext uri="{91240B29-F687-4f45-9708-019B960494DF}">
-              <a14:hiddenLine xmlns="" xmlns:a14="http://schemas.microsoft.com/office/drawing/2010/main" w="9525" cap="flat">
+              <a14:hiddenLine xmlns:a14="http://schemas.microsoft.com/office/drawing/2010/main" xmlns="" w="9525" cap="flat">
                 <a:solidFill>
                   <a:srgbClr val="3465A4"/>
                 </a:solidFill>
@@ -32090,7 +32090,7 @@
               </a14:hiddenLine>
             </a:ext>
             <a:ext uri="{AF507438-7753-43e0-B8FC-AC1667EBCBE1}">
-              <a14:hiddenEffects xmlns="" xmlns:a14="http://schemas.microsoft.com/office/drawing/2010/main">
+              <a14:hiddenEffects xmlns:a14="http://schemas.microsoft.com/office/drawing/2010/main" xmlns="">
                 <a:effectLst>
                   <a:outerShdw dist="35921" dir="2700000" algn="ctr" rotWithShape="0">
                     <a:srgbClr val="808080"/>
@@ -32716,14 +32716,14 @@
           <a:effectLst/>
           <a:extLst>
             <a:ext uri="{909E8E84-426E-40dd-AFC4-6F175D3DCCD1}">
-              <a14:hiddenFill xmlns="" xmlns:a14="http://schemas.microsoft.com/office/drawing/2010/main">
+              <a14:hiddenFill xmlns:a14="http://schemas.microsoft.com/office/drawing/2010/main" xmlns="">
                 <a:solidFill>
                   <a:srgbClr val="FFFFFF"/>
                 </a:solidFill>
               </a14:hiddenFill>
             </a:ext>
             <a:ext uri="{91240B29-F687-4f45-9708-019B960494DF}">
-              <a14:hiddenLine xmlns="" xmlns:a14="http://schemas.microsoft.com/office/drawing/2010/main" w="9525" cap="flat">
+              <a14:hiddenLine xmlns:a14="http://schemas.microsoft.com/office/drawing/2010/main" xmlns="" w="9525" cap="flat">
                 <a:solidFill>
                   <a:srgbClr val="3465A4"/>
                 </a:solidFill>
@@ -32733,7 +32733,7 @@
               </a14:hiddenLine>
             </a:ext>
             <a:ext uri="{AF507438-7753-43e0-B8FC-AC1667EBCBE1}">
-              <a14:hiddenEffects xmlns="" xmlns:a14="http://schemas.microsoft.com/office/drawing/2010/main">
+              <a14:hiddenEffects xmlns:a14="http://schemas.microsoft.com/office/drawing/2010/main" xmlns="">
                 <a:effectLst>
                   <a:outerShdw dist="35921" dir="2700000" algn="ctr" rotWithShape="0">
                     <a:srgbClr val="808080"/>
@@ -33352,14 +33352,14 @@
           <a:effectLst/>
           <a:extLst>
             <a:ext uri="{909E8E84-426E-40dd-AFC4-6F175D3DCCD1}">
-              <a14:hiddenFill xmlns="" xmlns:a14="http://schemas.microsoft.com/office/drawing/2010/main">
+              <a14:hiddenFill xmlns:a14="http://schemas.microsoft.com/office/drawing/2010/main" xmlns="">
                 <a:solidFill>
                   <a:srgbClr val="FFFFFF"/>
                 </a:solidFill>
               </a14:hiddenFill>
             </a:ext>
             <a:ext uri="{91240B29-F687-4f45-9708-019B960494DF}">
-              <a14:hiddenLine xmlns="" xmlns:a14="http://schemas.microsoft.com/office/drawing/2010/main" w="9525" cap="flat">
+              <a14:hiddenLine xmlns:a14="http://schemas.microsoft.com/office/drawing/2010/main" xmlns="" w="9525" cap="flat">
                 <a:solidFill>
                   <a:srgbClr val="3465A4"/>
                 </a:solidFill>
@@ -33369,7 +33369,7 @@
               </a14:hiddenLine>
             </a:ext>
             <a:ext uri="{AF507438-7753-43e0-B8FC-AC1667EBCBE1}">
-              <a14:hiddenEffects xmlns="" xmlns:a14="http://schemas.microsoft.com/office/drawing/2010/main">
+              <a14:hiddenEffects xmlns:a14="http://schemas.microsoft.com/office/drawing/2010/main" xmlns="">
                 <a:effectLst>
                   <a:outerShdw dist="35921" dir="2700000" algn="ctr" rotWithShape="0">
                     <a:srgbClr val="808080"/>
@@ -34087,7 +34087,7 @@
           <a:effectLst/>
           <a:extLst>
             <a:ext uri="{909E8E84-426E-40dd-AFC4-6F175D3DCCD1}">
-              <a14:hiddenFill xmlns="" xmlns:a14="http://schemas.microsoft.com/office/drawing/2010/main">
+              <a14:hiddenFill xmlns:a14="http://schemas.microsoft.com/office/drawing/2010/main" xmlns="">
                 <a:blipFill dpi="0" rotWithShape="0">
                   <a:blip/>
                   <a:srcRect/>
@@ -34098,7 +34098,7 @@
               </a14:hiddenFill>
             </a:ext>
             <a:ext uri="{91240B29-F687-4f45-9708-019B960494DF}">
-              <a14:hiddenLine xmlns="" xmlns:a14="http://schemas.microsoft.com/office/drawing/2010/main" w="9525" cap="flat">
+              <a14:hiddenLine xmlns:a14="http://schemas.microsoft.com/office/drawing/2010/main" xmlns="" w="9525" cap="flat">
                 <a:solidFill>
                   <a:srgbClr val="3465A4"/>
                 </a:solidFill>
@@ -34108,7 +34108,7 @@
               </a14:hiddenLine>
             </a:ext>
             <a:ext uri="{AF507438-7753-43e0-B8FC-AC1667EBCBE1}">
-              <a14:hiddenEffects xmlns="" xmlns:a14="http://schemas.microsoft.com/office/drawing/2010/main">
+              <a14:hiddenEffects xmlns:a14="http://schemas.microsoft.com/office/drawing/2010/main" xmlns="">
                 <a:effectLst>
                   <a:outerShdw dist="35921" dir="2700000" algn="ctr" rotWithShape="0">
                     <a:srgbClr val="808080"/>
@@ -34326,14 +34326,14 @@
           <a:effectLst/>
           <a:extLst>
             <a:ext uri="{909E8E84-426E-40dd-AFC4-6F175D3DCCD1}">
-              <a14:hiddenFill xmlns="" xmlns:a14="http://schemas.microsoft.com/office/drawing/2010/main">
+              <a14:hiddenFill xmlns:a14="http://schemas.microsoft.com/office/drawing/2010/main" xmlns="">
                 <a:solidFill>
                   <a:srgbClr val="FFFFFF"/>
                 </a:solidFill>
               </a14:hiddenFill>
             </a:ext>
             <a:ext uri="{91240B29-F687-4f45-9708-019B960494DF}">
-              <a14:hiddenLine xmlns="" xmlns:a14="http://schemas.microsoft.com/office/drawing/2010/main" w="9525" cap="flat">
+              <a14:hiddenLine xmlns:a14="http://schemas.microsoft.com/office/drawing/2010/main" xmlns="" w="9525" cap="flat">
                 <a:solidFill>
                   <a:srgbClr val="3465A4"/>
                 </a:solidFill>
@@ -34343,7 +34343,7 @@
               </a14:hiddenLine>
             </a:ext>
             <a:ext uri="{AF507438-7753-43e0-B8FC-AC1667EBCBE1}">
-              <a14:hiddenEffects xmlns="" xmlns:a14="http://schemas.microsoft.com/office/drawing/2010/main">
+              <a14:hiddenEffects xmlns:a14="http://schemas.microsoft.com/office/drawing/2010/main" xmlns="">
                 <a:effectLst>
                   <a:outerShdw dist="35921" dir="2700000" algn="ctr" rotWithShape="0">
                     <a:srgbClr val="808080"/>
@@ -35159,14 +35159,14 @@
           <a:effectLst/>
           <a:extLst>
             <a:ext uri="{909E8E84-426E-40dd-AFC4-6F175D3DCCD1}">
-              <a14:hiddenFill xmlns="" xmlns:a14="http://schemas.microsoft.com/office/drawing/2010/main">
+              <a14:hiddenFill xmlns:a14="http://schemas.microsoft.com/office/drawing/2010/main" xmlns="">
                 <a:solidFill>
                   <a:srgbClr val="FFFFFF"/>
                 </a:solidFill>
               </a14:hiddenFill>
             </a:ext>
             <a:ext uri="{91240B29-F687-4f45-9708-019B960494DF}">
-              <a14:hiddenLine xmlns="" xmlns:a14="http://schemas.microsoft.com/office/drawing/2010/main" w="9525" cap="flat">
+              <a14:hiddenLine xmlns:a14="http://schemas.microsoft.com/office/drawing/2010/main" xmlns="" w="9525" cap="flat">
                 <a:solidFill>
                   <a:srgbClr val="3465A4"/>
                 </a:solidFill>
@@ -35176,7 +35176,7 @@
               </a14:hiddenLine>
             </a:ext>
             <a:ext uri="{AF507438-7753-43e0-B8FC-AC1667EBCBE1}">
-              <a14:hiddenEffects xmlns="" xmlns:a14="http://schemas.microsoft.com/office/drawing/2010/main">
+              <a14:hiddenEffects xmlns:a14="http://schemas.microsoft.com/office/drawing/2010/main" xmlns="">
                 <a:effectLst>
                   <a:outerShdw dist="35921" dir="2700000" algn="ctr" rotWithShape="0">
                     <a:srgbClr val="808080"/>
@@ -35852,7 +35852,7 @@
           <a:effectLst/>
           <a:extLst>
             <a:ext uri="{909E8E84-426E-40dd-AFC4-6F175D3DCCD1}">
-              <a14:hiddenFill xmlns="" xmlns:a14="http://schemas.microsoft.com/office/drawing/2010/main">
+              <a14:hiddenFill xmlns:a14="http://schemas.microsoft.com/office/drawing/2010/main" xmlns="">
                 <a:blipFill dpi="0" rotWithShape="0">
                   <a:blip/>
                   <a:srcRect/>
@@ -35863,7 +35863,7 @@
               </a14:hiddenFill>
             </a:ext>
             <a:ext uri="{91240B29-F687-4f45-9708-019B960494DF}">
-              <a14:hiddenLine xmlns="" xmlns:a14="http://schemas.microsoft.com/office/drawing/2010/main" w="9525" cap="flat">
+              <a14:hiddenLine xmlns:a14="http://schemas.microsoft.com/office/drawing/2010/main" xmlns="" w="9525" cap="flat">
                 <a:solidFill>
                   <a:srgbClr val="3465A4"/>
                 </a:solidFill>
@@ -35873,7 +35873,7 @@
               </a14:hiddenLine>
             </a:ext>
             <a:ext uri="{AF507438-7753-43e0-B8FC-AC1667EBCBE1}">
-              <a14:hiddenEffects xmlns="" xmlns:a14="http://schemas.microsoft.com/office/drawing/2010/main">
+              <a14:hiddenEffects xmlns:a14="http://schemas.microsoft.com/office/drawing/2010/main" xmlns="">
                 <a:effectLst>
                   <a:outerShdw dist="35921" dir="2700000" algn="ctr" rotWithShape="0">
                     <a:srgbClr val="808080"/>
